--- a/Project_Presentation.pptx
+++ b/Project_Presentation.pptx
@@ -7,17 +7,19 @@
   <p:sldIdLst>
     <p:sldId id="256" r:id="rId2"/>
     <p:sldId id="265" r:id="rId3"/>
-    <p:sldId id="270" r:id="rId4"/>
-    <p:sldId id="257" r:id="rId5"/>
-    <p:sldId id="272" r:id="rId6"/>
-    <p:sldId id="269" r:id="rId7"/>
-    <p:sldId id="258" r:id="rId8"/>
-    <p:sldId id="259" r:id="rId9"/>
-    <p:sldId id="260" r:id="rId10"/>
-    <p:sldId id="271" r:id="rId11"/>
-    <p:sldId id="264" r:id="rId12"/>
-    <p:sldId id="262" r:id="rId13"/>
-    <p:sldId id="263" r:id="rId14"/>
+    <p:sldId id="275" r:id="rId4"/>
+    <p:sldId id="270" r:id="rId5"/>
+    <p:sldId id="276" r:id="rId6"/>
+    <p:sldId id="274" r:id="rId7"/>
+    <p:sldId id="273" r:id="rId8"/>
+    <p:sldId id="269" r:id="rId9"/>
+    <p:sldId id="258" r:id="rId10"/>
+    <p:sldId id="259" r:id="rId11"/>
+    <p:sldId id="260" r:id="rId12"/>
+    <p:sldId id="271" r:id="rId13"/>
+    <p:sldId id="264" r:id="rId14"/>
+    <p:sldId id="262" r:id="rId15"/>
+    <p:sldId id="279" r:id="rId16"/>
   </p:sldIdLst>
   <p:sldSz cx="12192000" cy="6858000"/>
   <p:notesSz cx="6858000" cy="9144000"/>
@@ -146,7 +148,11 @@
 <file path=ppt/revisionInfo.xml><?xml version="1.0" encoding="utf-8"?>
 <p1510:revInfo xmlns:a="http://schemas.openxmlformats.org/drawingml/2006/main" xmlns:r="http://schemas.openxmlformats.org/officeDocument/2006/relationships" xmlns:p1510="http://schemas.microsoft.com/office/powerpoint/2015/10/main">
   <p1510:revLst>
+    <p1510:client id="{06AF3714-DBB3-7653-41FB-40F59754C7FF}" v="78" dt="2020-05-07T02:11:39.135"/>
     <p1510:client id="{079FB787-3AA8-E718-C6B7-727B7AEFAB4B}" v="23" dt="2020-05-06T00:04:15.870"/>
+    <p1510:client id="{104ED50B-48D8-AFD7-9657-E6AB8B20D5A0}" v="519" dt="2020-05-06T19:51:34.722"/>
+    <p1510:client id="{22B4D0A5-B901-A3B1-67C3-951891445BF1}" v="88" dt="2020-05-06T18:58:47.286"/>
+    <p1510:client id="{3653D392-4692-762B-2686-0CCE908C1348}" v="104" dt="2020-05-06T18:02:52.533"/>
     <p1510:client id="{3DE7DE96-65F4-36CC-EC29-97D07C2A8358}" v="97" dt="2020-05-04T19:42:12.610"/>
     <p1510:client id="{4F7A11FF-254E-46E0-B9CB-C1BAFB3F31FA}" v="65" dt="2020-05-03T17:33:07.022"/>
     <p1510:client id="{5399FC26-5702-571F-5E7D-CE5593075CE4}" v="3" dt="2020-05-05T17:29:54.737"/>
@@ -165,9 +171,14 @@
     <p1510:client id="{BDDFBF81-74A4-4BA6-8FDF-49EF3CC9A4E0}" v="549" dt="2020-05-05T20:31:34.303"/>
     <p1510:client id="{C453B77F-524E-4259-0D57-559F3DEB56C2}" v="505" dt="2020-05-03T20:07:55.944"/>
     <p1510:client id="{C4B9B4AD-5F22-5CB3-2A5C-36DA6FD662A1}" v="482" dt="2020-05-03T18:46:08.218"/>
+    <p1510:client id="{C599D343-C28E-BFF4-4B6E-95E993323A65}" v="868" dt="2020-05-06T19:11:03.804"/>
+    <p1510:client id="{CDF35C44-8D11-5A1F-F4C3-77C76D96C9B0}" v="1698" dt="2020-05-06T19:15:54.340"/>
+    <p1510:client id="{D54ED016-3AC7-10B4-8493-A9B625A8B946}" v="269" dt="2020-05-06T03:33:14.904"/>
     <p1510:client id="{DB1EF343-A76F-2232-777F-C5871333E837}" v="1100" dt="2020-05-03T19:47:25.537"/>
+    <p1510:client id="{E091629B-9077-C425-B1FF-DB21F04DF12E}" v="96" dt="2020-05-06T17:02:39.716"/>
     <p1510:client id="{E5CA1743-24A7-557B-913F-18EC0D3D9D5F}" v="333" dt="2020-05-05T05:59:53.237"/>
     <p1510:client id="{EBE54BC8-3CD4-41E5-AE2E-DBC45E40B396}" v="1039" dt="2020-05-05T05:54:39.681"/>
+    <p1510:client id="{EFD36696-B616-5B40-4207-01E165285FD7}" v="37" dt="2020-05-07T03:05:00.569"/>
     <p1510:client id="{F7E50F9E-B317-0E66-B400-87B2351F33FA}" v="1" dt="2020-05-06T02:19:39.652"/>
   </p1510:revLst>
 </p1510:revInfo>
@@ -329,7 +340,7 @@
           <a:p>
             <a:fld id="{C764DE79-268F-4C1A-8933-263129D2AF90}" type="datetimeFigureOut">
               <a:rPr lang="en-US" dirty="0"/>
-              <a:t>5/5/2020</a:t>
+              <a:t>5/6/2020</a:t>
             </a:fld>
             <a:endParaRPr lang="en-US"/>
           </a:p>
@@ -497,7 +508,7 @@
           <a:p>
             <a:fld id="{C764DE79-268F-4C1A-8933-263129D2AF90}" type="datetimeFigureOut">
               <a:rPr lang="en-US" dirty="0"/>
-              <a:t>5/5/2020</a:t>
+              <a:t>5/6/2020</a:t>
             </a:fld>
             <a:endParaRPr lang="en-US"/>
           </a:p>
@@ -675,7 +686,7 @@
           <a:p>
             <a:fld id="{C764DE79-268F-4C1A-8933-263129D2AF90}" type="datetimeFigureOut">
               <a:rPr lang="en-US" dirty="0"/>
-              <a:t>5/5/2020</a:t>
+              <a:t>5/6/2020</a:t>
             </a:fld>
             <a:endParaRPr lang="en-US"/>
           </a:p>
@@ -843,7 +854,7 @@
           <a:p>
             <a:fld id="{C764DE79-268F-4C1A-8933-263129D2AF90}" type="datetimeFigureOut">
               <a:rPr lang="en-US" dirty="0"/>
-              <a:t>5/5/2020</a:t>
+              <a:t>5/6/2020</a:t>
             </a:fld>
             <a:endParaRPr lang="en-US"/>
           </a:p>
@@ -1088,7 +1099,7 @@
           <a:p>
             <a:fld id="{C764DE79-268F-4C1A-8933-263129D2AF90}" type="datetimeFigureOut">
               <a:rPr lang="en-US" dirty="0"/>
-              <a:t>5/5/2020</a:t>
+              <a:t>5/6/2020</a:t>
             </a:fld>
             <a:endParaRPr lang="en-US"/>
           </a:p>
@@ -1317,7 +1328,7 @@
           <a:p>
             <a:fld id="{C764DE79-268F-4C1A-8933-263129D2AF90}" type="datetimeFigureOut">
               <a:rPr lang="en-US" dirty="0"/>
-              <a:t>5/5/2020</a:t>
+              <a:t>5/6/2020</a:t>
             </a:fld>
             <a:endParaRPr lang="en-US"/>
           </a:p>
@@ -1681,7 +1692,7 @@
           <a:p>
             <a:fld id="{C764DE79-268F-4C1A-8933-263129D2AF90}" type="datetimeFigureOut">
               <a:rPr lang="en-US" dirty="0"/>
-              <a:t>5/5/2020</a:t>
+              <a:t>5/6/2020</a:t>
             </a:fld>
             <a:endParaRPr lang="en-US"/>
           </a:p>
@@ -1798,7 +1809,7 @@
           <a:p>
             <a:fld id="{C764DE79-268F-4C1A-8933-263129D2AF90}" type="datetimeFigureOut">
               <a:rPr lang="en-US" dirty="0"/>
-              <a:t>5/5/2020</a:t>
+              <a:t>5/6/2020</a:t>
             </a:fld>
             <a:endParaRPr lang="en-US"/>
           </a:p>
@@ -1893,7 +1904,7 @@
           <a:p>
             <a:fld id="{C764DE79-268F-4C1A-8933-263129D2AF90}" type="datetimeFigureOut">
               <a:rPr lang="en-US" dirty="0"/>
-              <a:t>5/5/2020</a:t>
+              <a:t>5/6/2020</a:t>
             </a:fld>
             <a:endParaRPr lang="en-US"/>
           </a:p>
@@ -2168,7 +2179,7 @@
           <a:p>
             <a:fld id="{C764DE79-268F-4C1A-8933-263129D2AF90}" type="datetimeFigureOut">
               <a:rPr lang="en-US" dirty="0"/>
-              <a:t>5/5/2020</a:t>
+              <a:t>5/6/2020</a:t>
             </a:fld>
             <a:endParaRPr lang="en-US"/>
           </a:p>
@@ -2420,7 +2431,7 @@
           <a:p>
             <a:fld id="{C764DE79-268F-4C1A-8933-263129D2AF90}" type="datetimeFigureOut">
               <a:rPr lang="en-US" dirty="0"/>
-              <a:t>5/5/2020</a:t>
+              <a:t>5/6/2020</a:t>
             </a:fld>
             <a:endParaRPr lang="en-US"/>
           </a:p>
@@ -2631,7 +2642,7 @@
           <a:p>
             <a:fld id="{C764DE79-268F-4C1A-8933-263129D2AF90}" type="datetimeFigureOut">
               <a:rPr lang="en-US" dirty="0"/>
-              <a:t>5/5/2020</a:t>
+              <a:t>5/6/2020</a:t>
             </a:fld>
             <a:endParaRPr lang="en-US"/>
           </a:p>
@@ -3066,7 +3077,7 @@
         </p:blipFill>
         <p:spPr>
           <a:xfrm>
-            <a:off x="0" y="-3096"/>
+            <a:off x="0" y="14421"/>
             <a:ext cx="12189911" cy="6866148"/>
           </a:xfrm>
           <a:prstGeom prst="rect">
@@ -3092,7 +3103,7 @@
         </p:nvSpPr>
         <p:spPr>
           <a:xfrm>
-            <a:off x="381533" y="421924"/>
+            <a:off x="124358" y="631474"/>
             <a:ext cx="9590652" cy="2999531"/>
           </a:xfrm>
         </p:spPr>
@@ -3270,6 +3281,44 @@
               </a:rPr>
               <a:t>Alcove</a:t>
             </a:r>
+          </a:p>
+        </p:txBody>
+      </p:sp>
+      <p:sp>
+        <p:nvSpPr>
+          <p:cNvPr id="5" name="Slide Number Placeholder 4">
+            <a:extLst>
+              <a:ext uri="{FF2B5EF4-FFF2-40B4-BE49-F238E27FC236}">
+                <a16:creationId xmlns:a16="http://schemas.microsoft.com/office/drawing/2014/main" id="{C225FA05-DD7D-49E4-8D2F-BA9CE6BB40C8}"/>
+              </a:ext>
+            </a:extLst>
+          </p:cNvPr>
+          <p:cNvSpPr>
+            <a:spLocks noGrp="1"/>
+          </p:cNvSpPr>
+          <p:nvPr>
+            <p:ph type="sldNum" sz="quarter" idx="12"/>
+          </p:nvPr>
+        </p:nvSpPr>
+        <p:spPr/>
+        <p:txBody>
+          <a:bodyPr/>
+          <a:lstStyle/>
+          <a:p>
+            <a:fld id="{48F63A3B-78C7-47BE-AE5E-E10140E04643}" type="slidenum">
+              <a:rPr lang="en-US" b="1" dirty="0">
+                <a:solidFill>
+                  <a:schemeClr val="tx1"/>
+                </a:solidFill>
+              </a:rPr>
+              <a:t>1</a:t>
+            </a:fld>
+            <a:endParaRPr lang="en-US" b="1">
+              <a:solidFill>
+                <a:schemeClr val="tx1"/>
+              </a:solidFill>
+              <a:cs typeface="Calibri"/>
+            </a:endParaRPr>
           </a:p>
         </p:txBody>
       </p:sp>
@@ -3287,6 +3336,250 @@
 </file>
 
 <file path=ppt/slides/slide10.xml><?xml version="1.0" encoding="utf-8"?>
+<p:sld xmlns:a="http://schemas.openxmlformats.org/drawingml/2006/main" xmlns:r="http://schemas.openxmlformats.org/officeDocument/2006/relationships" xmlns:p="http://schemas.openxmlformats.org/presentationml/2006/main">
+  <p:cSld>
+    <p:spTree>
+      <p:nvGrpSpPr>
+        <p:cNvPr id="1" name=""/>
+        <p:cNvGrpSpPr/>
+        <p:nvPr/>
+      </p:nvGrpSpPr>
+      <p:grpSpPr>
+        <a:xfrm>
+          <a:off x="0" y="0"/>
+          <a:ext cx="0" cy="0"/>
+          <a:chOff x="0" y="0"/>
+          <a:chExt cx="0" cy="0"/>
+        </a:xfrm>
+      </p:grpSpPr>
+      <p:pic>
+        <p:nvPicPr>
+          <p:cNvPr id="5" name="Picture 5" descr="A close up of a flower&#10;&#10;Description generated with high confidence">
+            <a:extLst>
+              <a:ext uri="{FF2B5EF4-FFF2-40B4-BE49-F238E27FC236}">
+                <a16:creationId xmlns:a16="http://schemas.microsoft.com/office/drawing/2014/main" id="{B2AF2305-AFE0-48A8-9BAA-613ACA4FBCCE}"/>
+              </a:ext>
+            </a:extLst>
+          </p:cNvPr>
+          <p:cNvPicPr>
+            <a:picLocks noChangeAspect="1"/>
+          </p:cNvPicPr>
+          <p:nvPr/>
+        </p:nvPicPr>
+        <p:blipFill>
+          <a:blip r:embed="rId2"/>
+          <a:stretch>
+            <a:fillRect/>
+          </a:stretch>
+        </p:blipFill>
+        <p:spPr>
+          <a:xfrm>
+            <a:off x="0" y="-50721"/>
+            <a:ext cx="12192000" cy="6911816"/>
+          </a:xfrm>
+          <a:prstGeom prst="rect">
+            <a:avLst/>
+          </a:prstGeom>
+        </p:spPr>
+      </p:pic>
+      <p:sp>
+        <p:nvSpPr>
+          <p:cNvPr id="2" name="Title 1">
+            <a:extLst>
+              <a:ext uri="{FF2B5EF4-FFF2-40B4-BE49-F238E27FC236}">
+                <a16:creationId xmlns:a16="http://schemas.microsoft.com/office/drawing/2014/main" id="{AB665440-8BEF-F048-9E86-2F40BF94EB04}"/>
+              </a:ext>
+            </a:extLst>
+          </p:cNvPr>
+          <p:cNvSpPr>
+            <a:spLocks noGrp="1"/>
+          </p:cNvSpPr>
+          <p:nvPr>
+            <p:ph type="title"/>
+          </p:nvPr>
+        </p:nvSpPr>
+        <p:spPr>
+          <a:xfrm>
+            <a:off x="533400" y="767435"/>
+            <a:ext cx="10515600" cy="1325563"/>
+          </a:xfrm>
+        </p:spPr>
+        <p:txBody>
+          <a:bodyPr/>
+          <a:lstStyle/>
+          <a:p>
+            <a:br>
+              <a:rPr lang="en-US">
+                <a:cs typeface="Calibri Light"/>
+              </a:rPr>
+            </a:br>
+            <a:r>
+              <a:rPr lang="en-US">
+                <a:ea typeface="+mj-lt"/>
+                <a:cs typeface="+mj-lt"/>
+              </a:rPr>
+              <a:t>Research Methods</a:t>
+            </a:r>
+            <a:endParaRPr lang="en-US">
+              <a:cs typeface="Calibri Light"/>
+            </a:endParaRPr>
+          </a:p>
+        </p:txBody>
+      </p:sp>
+      <p:sp>
+        <p:nvSpPr>
+          <p:cNvPr id="3" name="Content Placeholder 2">
+            <a:extLst>
+              <a:ext uri="{FF2B5EF4-FFF2-40B4-BE49-F238E27FC236}">
+                <a16:creationId xmlns:a16="http://schemas.microsoft.com/office/drawing/2014/main" id="{CA3C97C8-3AD4-6E4C-8000-47BA3C30EA22}"/>
+              </a:ext>
+            </a:extLst>
+          </p:cNvPr>
+          <p:cNvSpPr>
+            <a:spLocks noGrp="1"/>
+          </p:cNvSpPr>
+          <p:nvPr>
+            <p:ph idx="1"/>
+          </p:nvPr>
+        </p:nvSpPr>
+        <p:spPr>
+          <a:xfrm>
+            <a:off x="533400" y="2376299"/>
+            <a:ext cx="9001125" cy="4351338"/>
+          </a:xfrm>
+        </p:spPr>
+        <p:txBody>
+          <a:bodyPr vert="horz" lIns="91440" tIns="45720" rIns="91440" bIns="45720" rtlCol="0" anchor="t">
+            <a:normAutofit/>
+          </a:bodyPr>
+          <a:lstStyle/>
+          <a:p>
+            <a:r>
+              <a:rPr lang="en-US">
+                <a:ea typeface="+mn-lt"/>
+                <a:cs typeface="+mn-lt"/>
+              </a:rPr>
+              <a:t>Implemented </a:t>
+            </a:r>
+            <a:r>
+              <a:rPr lang="en-US"/>
+              <a:t>a model with MobileNet for small dataset.</a:t>
+            </a:r>
+            <a:endParaRPr lang="en-US">
+              <a:cs typeface="Calibri"/>
+            </a:endParaRPr>
+          </a:p>
+          <a:p>
+            <a:pPr lvl="1"/>
+            <a:r>
+              <a:rPr lang="en-US">
+                <a:cs typeface="Calibri"/>
+              </a:rPr>
+              <a:t>5 classes</a:t>
+            </a:r>
+          </a:p>
+          <a:p>
+            <a:r>
+              <a:rPr lang="en-US"/>
+              <a:t>Implemented a model with MobileNet With entire dataset.</a:t>
+            </a:r>
+            <a:endParaRPr lang="en-US">
+              <a:cs typeface="Calibri"/>
+            </a:endParaRPr>
+          </a:p>
+          <a:p>
+            <a:pPr lvl="1"/>
+            <a:r>
+              <a:rPr lang="en-US">
+                <a:cs typeface="Calibri"/>
+              </a:rPr>
+              <a:t>101 classes</a:t>
+            </a:r>
+          </a:p>
+          <a:p>
+            <a:r>
+              <a:rPr lang="en-US"/>
+              <a:t>Create Interactive classification.</a:t>
+            </a:r>
+            <a:endParaRPr lang="en-US">
+              <a:cs typeface="Calibri"/>
+            </a:endParaRPr>
+          </a:p>
+          <a:p>
+            <a:pPr lvl="1"/>
+            <a:r>
+              <a:rPr lang="en-US">
+                <a:cs typeface="Calibri"/>
+              </a:rPr>
+              <a:t>Display top 1 and 5 prediction</a:t>
+            </a:r>
+          </a:p>
+          <a:p>
+            <a:r>
+              <a:rPr lang="en-US"/>
+              <a:t>Wrote the Model Architecture in the method section of the paper.</a:t>
+            </a:r>
+            <a:endParaRPr lang="en-US">
+              <a:cs typeface="Calibri"/>
+            </a:endParaRPr>
+          </a:p>
+        </p:txBody>
+      </p:sp>
+      <p:sp>
+        <p:nvSpPr>
+          <p:cNvPr id="4" name="TextBox 3">
+            <a:extLst>
+              <a:ext uri="{FF2B5EF4-FFF2-40B4-BE49-F238E27FC236}">
+                <a16:creationId xmlns:a16="http://schemas.microsoft.com/office/drawing/2014/main" id="{A970A6FA-6046-4AE7-9CA0-F2E7E2A07143}"/>
+              </a:ext>
+            </a:extLst>
+          </p:cNvPr>
+          <p:cNvSpPr txBox="1"/>
+          <p:nvPr/>
+        </p:nvSpPr>
+        <p:spPr>
+          <a:xfrm>
+            <a:off x="336637" y="272311"/>
+            <a:ext cx="2981325" cy="584775"/>
+          </a:xfrm>
+          <a:prstGeom prst="rect">
+            <a:avLst/>
+          </a:prstGeom>
+          <a:noFill/>
+        </p:spPr>
+        <p:txBody>
+          <a:bodyPr rot="0" spcFirstLastPara="0" vertOverflow="overflow" horzOverflow="overflow" vert="horz" wrap="square" lIns="91440" tIns="45720" rIns="91440" bIns="45720" numCol="1" spcCol="0" rtlCol="0" fromWordArt="0" anchor="t" anchorCtr="0" forceAA="0" compatLnSpc="1">
+            <a:prstTxWarp prst="textNoShape">
+              <a:avLst/>
+            </a:prstTxWarp>
+            <a:spAutoFit/>
+          </a:bodyPr>
+          <a:lstStyle/>
+          <a:p>
+            <a:r>
+              <a:rPr lang="en-US" sz="3200"/>
+              <a:t>Luis</a:t>
+            </a:r>
+            <a:endParaRPr lang="en-US" sz="3200">
+              <a:cs typeface="Calibri"/>
+            </a:endParaRPr>
+          </a:p>
+        </p:txBody>
+      </p:sp>
+    </p:spTree>
+    <p:extLst>
+      <p:ext uri="{BB962C8B-B14F-4D97-AF65-F5344CB8AC3E}">
+        <p14:creationId xmlns:p14="http://schemas.microsoft.com/office/powerpoint/2010/main" val="345860290"/>
+      </p:ext>
+    </p:extLst>
+  </p:cSld>
+  <p:clrMapOvr>
+    <a:masterClrMapping/>
+  </p:clrMapOvr>
+</p:sld>
+</file>
+
+<file path=ppt/slides/slide11.xml><?xml version="1.0" encoding="utf-8"?>
 <p:sld xmlns:a="http://schemas.openxmlformats.org/drawingml/2006/main" xmlns:r="http://schemas.openxmlformats.org/officeDocument/2006/relationships" xmlns:p="http://schemas.openxmlformats.org/presentationml/2006/main">
   <p:cSld>
     <p:spTree>
@@ -3325,7 +3618,7 @@
         </p:blipFill>
         <p:spPr>
           <a:xfrm>
-            <a:off x="6264" y="-5052"/>
+            <a:off x="-4174" y="-5052"/>
             <a:ext cx="12189910" cy="6878541"/>
           </a:xfrm>
           <a:prstGeom prst="rect">
@@ -3351,34 +3644,21 @@
         </p:nvSpPr>
         <p:spPr>
           <a:xfrm>
-            <a:off x="838200" y="636523"/>
+            <a:off x="535488" y="813974"/>
             <a:ext cx="10515600" cy="1325563"/>
           </a:xfrm>
         </p:spPr>
         <p:txBody>
-          <a:bodyPr>
-            <a:normAutofit fontScale="90000"/>
-          </a:bodyPr>
-          <a:lstStyle/>
-          <a:p>
-            <a:br>
+          <a:bodyPr/>
+          <a:lstStyle/>
+          <a:p>
+            <a:r>
               <a:rPr lang="en-US">
-                <a:ea typeface="+mj-lt"/>
-                <a:cs typeface="+mj-lt"/>
-              </a:rPr>
-            </a:br>
-            <a:r>
-              <a:rPr lang="en-US">
-                <a:ea typeface="+mj-lt"/>
-                <a:cs typeface="+mj-lt"/>
-              </a:rPr>
-              <a:t>Model visualization , Web app creation, Documentation and Management</a:t>
-            </a:r>
-          </a:p>
-          <a:p>
-            <a:endParaRPr lang="en-US">
-              <a:cs typeface="Calibri Light"/>
-            </a:endParaRPr>
+                <a:cs typeface="Calibri Light"/>
+              </a:rPr>
+              <a:t>Experimental Design and Engineering</a:t>
+            </a:r>
+            <a:endParaRPr lang="en-US"/>
           </a:p>
         </p:txBody>
       </p:sp>
@@ -3400,7 +3680,7 @@
         </p:nvSpPr>
         <p:spPr>
           <a:xfrm>
-            <a:off x="337159" y="1961324"/>
+            <a:off x="838540" y="2127061"/>
             <a:ext cx="10515600" cy="4351338"/>
           </a:xfrm>
         </p:spPr>
@@ -3410,225 +3690,70 @@
           </a:bodyPr>
           <a:lstStyle/>
           <a:p>
-            <a:endParaRPr lang="en-US" sz="2600">
-              <a:cs typeface="Calibri"/>
-            </a:endParaRPr>
-          </a:p>
-          <a:p>
-            <a:r>
-              <a:rPr lang="en-US" sz="2600">
-                <a:cs typeface="Calibri"/>
-              </a:rPr>
-              <a:t>Implemented </a:t>
-            </a:r>
-            <a:r>
-              <a:rPr lang="en-US" sz="2600" b="1">
-                <a:cs typeface="Calibri"/>
-              </a:rPr>
-              <a:t>Top5 and Top10</a:t>
-            </a:r>
-            <a:r>
-              <a:rPr lang="en-US" sz="2600">
-                <a:cs typeface="Calibri"/>
-              </a:rPr>
-              <a:t> accuracies</a:t>
-            </a:r>
-            <a:endParaRPr lang="en-US" sz="2600">
-              <a:ea typeface="+mn-lt"/>
-              <a:cs typeface="+mn-lt"/>
-            </a:endParaRPr>
-          </a:p>
-          <a:p>
-            <a:r>
-              <a:rPr lang="en-US" sz="2600">
-                <a:cs typeface="Calibri"/>
-              </a:rPr>
-              <a:t> Generated </a:t>
-            </a:r>
-            <a:r>
-              <a:rPr lang="en-US" sz="2600" b="1">
-                <a:cs typeface="Calibri"/>
-              </a:rPr>
-              <a:t>visualization</a:t>
-            </a:r>
-            <a:r>
-              <a:rPr lang="en-US" sz="2600">
-                <a:cs typeface="Calibri"/>
-              </a:rPr>
-              <a:t>.</a:t>
-            </a:r>
-            <a:endParaRPr lang="en-US" sz="2600">
-              <a:ea typeface="+mn-lt"/>
-              <a:cs typeface="+mn-lt"/>
-            </a:endParaRPr>
-          </a:p>
-          <a:p>
-            <a:r>
-              <a:rPr lang="en-US" sz="2600">
+            <a:pPr marL="457200" indent="-457200"/>
+            <a:r>
+              <a:rPr lang="en-US">
                 <a:ea typeface="+mn-lt"/>
                 <a:cs typeface="+mn-lt"/>
               </a:rPr>
-              <a:t> Created the app using Flask, vanilla JavaScript, HTML and CSS.</a:t>
-            </a:r>
-          </a:p>
-          <a:p>
-            <a:r>
-              <a:rPr lang="en-US" sz="2600">
-                <a:cs typeface="Calibri"/>
-              </a:rPr>
-              <a:t> Deployed our model to the web-app.</a:t>
-            </a:r>
-            <a:endParaRPr lang="en-US" sz="2600">
-              <a:ea typeface="+mn-lt"/>
-              <a:cs typeface="+mn-lt"/>
-            </a:endParaRPr>
-          </a:p>
-          <a:p>
-            <a:r>
-              <a:rPr lang="en-US" sz="2600">
-                <a:cs typeface="Calibri"/>
-              </a:rPr>
-              <a:t> Wrote  </a:t>
-            </a:r>
-            <a:r>
-              <a:rPr lang="en-US" sz="2600" b="1">
-                <a:cs typeface="Calibri"/>
-              </a:rPr>
-              <a:t>Methods </a:t>
-            </a:r>
-            <a:r>
-              <a:rPr lang="en-US" sz="2600">
-                <a:cs typeface="Calibri"/>
-              </a:rPr>
-              <a:t>and </a:t>
-            </a:r>
-            <a:r>
-              <a:rPr lang="en-US" sz="2600" b="1">
-                <a:cs typeface="Calibri"/>
-              </a:rPr>
-              <a:t>Result </a:t>
-            </a:r>
-            <a:r>
-              <a:rPr lang="en-US" sz="2600">
-                <a:cs typeface="Calibri"/>
-              </a:rPr>
-              <a:t>section of our paper</a:t>
-            </a:r>
-            <a:endParaRPr lang="en-US" sz="2600">
-              <a:ea typeface="+mn-lt"/>
-              <a:cs typeface="+mn-lt"/>
-            </a:endParaRPr>
-          </a:p>
-          <a:p>
-            <a:r>
-              <a:rPr lang="en-US" sz="2600">
-                <a:cs typeface="Calibri"/>
-              </a:rPr>
-              <a:t> I have created the </a:t>
-            </a:r>
-            <a:r>
-              <a:rPr lang="en-US" sz="2600" b="1">
-                <a:cs typeface="Calibri"/>
-              </a:rPr>
-              <a:t>Readme </a:t>
-            </a:r>
-            <a:r>
-              <a:rPr lang="en-US" sz="2600">
-                <a:cs typeface="Calibri"/>
-              </a:rPr>
-              <a:t>page and the </a:t>
-            </a:r>
-            <a:r>
-              <a:rPr lang="en-US" sz="2600" b="1">
-                <a:cs typeface="Calibri"/>
-              </a:rPr>
-              <a:t>demo</a:t>
-            </a:r>
-            <a:endParaRPr lang="en-US" sz="2600">
-              <a:ea typeface="+mn-lt"/>
-              <a:cs typeface="+mn-lt"/>
-            </a:endParaRPr>
-          </a:p>
-          <a:p>
-            <a:r>
-              <a:rPr lang="en-US" sz="2600">
+              <a:t>Designed experiment around K-fold cross-validation</a:t>
+            </a:r>
+            <a:endParaRPr lang="en-US"/>
+          </a:p>
+          <a:p>
+            <a:pPr marL="457200" indent="-457200"/>
+            <a:r>
+              <a:rPr lang="en-US">
                 <a:ea typeface="+mn-lt"/>
                 <a:cs typeface="+mn-lt"/>
               </a:rPr>
-              <a:t> Created </a:t>
-            </a:r>
-            <a:r>
-              <a:rPr lang="en-US" sz="2600" b="1">
-                <a:ea typeface="+mn-lt"/>
-                <a:cs typeface="+mn-lt"/>
-              </a:rPr>
-              <a:t>Project Proposal</a:t>
-            </a:r>
-            <a:r>
-              <a:rPr lang="en-US" sz="2600">
-                <a:ea typeface="+mn-lt"/>
-                <a:cs typeface="+mn-lt"/>
-              </a:rPr>
-              <a:t> reviewed and updated </a:t>
-            </a:r>
-            <a:r>
-              <a:rPr lang="en-US" sz="2600" b="1">
-                <a:ea typeface="+mn-lt"/>
-                <a:cs typeface="+mn-lt"/>
-              </a:rPr>
-              <a:t>Milestones</a:t>
-            </a:r>
-            <a:endParaRPr lang="en-US" sz="2600">
-              <a:ea typeface="+mn-lt"/>
-              <a:cs typeface="+mn-lt"/>
-            </a:endParaRPr>
-          </a:p>
-          <a:p>
-            <a:r>
-              <a:rPr lang="en-US" sz="2600">
-                <a:cs typeface="Calibri"/>
-              </a:rPr>
-              <a:t> Co-ordinated team meetings and Initiated work and strategies</a:t>
-            </a:r>
-            <a:endParaRPr lang="en-US" sz="2600">
-              <a:ea typeface="+mn-lt"/>
-              <a:cs typeface="+mn-lt"/>
-            </a:endParaRPr>
-          </a:p>
-          <a:p>
-            <a:endParaRPr lang="en-US" sz="2600">
-              <a:ea typeface="+mn-lt"/>
-              <a:cs typeface="+mn-lt"/>
-            </a:endParaRPr>
-          </a:p>
-          <a:p>
-            <a:endParaRPr lang="en-US" sz="2600">
-              <a:ea typeface="+mn-lt"/>
-              <a:cs typeface="+mn-lt"/>
-            </a:endParaRPr>
-          </a:p>
-          <a:p>
-            <a:endParaRPr lang="en-US" sz="2600">
-              <a:ea typeface="+mn-lt"/>
-              <a:cs typeface="+mn-lt"/>
-            </a:endParaRPr>
-          </a:p>
-          <a:p>
-            <a:endParaRPr lang="en-US" sz="2600">
-              <a:ea typeface="+mn-lt"/>
-              <a:cs typeface="+mn-lt"/>
-            </a:endParaRPr>
-          </a:p>
-          <a:p>
-            <a:endParaRPr lang="en-US" sz="2600">
-              <a:ea typeface="+mn-lt"/>
-              <a:cs typeface="+mn-lt"/>
-            </a:endParaRPr>
-          </a:p>
-          <a:p>
-            <a:endParaRPr lang="en-US" sz="2600">
+              <a:t>Configured</a:t>
+            </a:r>
+            <a:r>
+              <a:rPr lang="en-US"/>
+              <a:t> lazy data loading</a:t>
+            </a:r>
+            <a:endParaRPr lang="en-US">
+              <a:cs typeface="Calibri" panose="020F0502020204030204"/>
+            </a:endParaRPr>
+          </a:p>
+          <a:p>
+            <a:pPr lvl="1"/>
+            <a:r>
+              <a:rPr lang="en-US"/>
+              <a:t>Dataset augmentation</a:t>
+            </a:r>
+            <a:endParaRPr lang="en-US">
               <a:cs typeface="Calibri"/>
             </a:endParaRPr>
+          </a:p>
+          <a:p>
+            <a:pPr lvl="1"/>
+            <a:r>
+              <a:rPr lang="en-US"/>
+              <a:t>K-fold support</a:t>
+            </a:r>
+            <a:endParaRPr lang="en-US">
+              <a:cs typeface="Calibri"/>
+            </a:endParaRPr>
+          </a:p>
+          <a:p>
+            <a:r>
+              <a:rPr lang="en-US"/>
+              <a:t>Figure generation</a:t>
+            </a:r>
+          </a:p>
+          <a:p>
+            <a:r>
+              <a:rPr lang="en-US"/>
+              <a:t>Paper review</a:t>
+            </a:r>
+          </a:p>
+          <a:p>
+            <a:endParaRPr lang="en-US"/>
+          </a:p>
+          <a:p>
+            <a:endParaRPr lang="en-US"/>
           </a:p>
         </p:txBody>
       </p:sp>
@@ -3646,8 +3771,8 @@
         </p:nvSpPr>
         <p:spPr>
           <a:xfrm>
-            <a:off x="3912426" y="124216"/>
-            <a:ext cx="2743200" cy="461665"/>
+            <a:off x="123303" y="134655"/>
+            <a:ext cx="2743200" cy="584775"/>
           </a:xfrm>
           <a:prstGeom prst="rect">
             <a:avLst/>
@@ -3664,7 +3789,470 @@
           <a:lstStyle/>
           <a:p>
             <a:r>
-              <a:rPr lang="en-US" sz="2400">
+              <a:rPr lang="en-US" sz="3200"/>
+              <a:t>Steven</a:t>
+            </a:r>
+            <a:endParaRPr lang="en-US" sz="3200">
+              <a:cs typeface="Calibri"/>
+            </a:endParaRPr>
+          </a:p>
+        </p:txBody>
+      </p:sp>
+      <p:sp>
+        <p:nvSpPr>
+          <p:cNvPr id="5" name="Slide Number Placeholder 4">
+            <a:extLst>
+              <a:ext uri="{FF2B5EF4-FFF2-40B4-BE49-F238E27FC236}">
+                <a16:creationId xmlns:a16="http://schemas.microsoft.com/office/drawing/2014/main" id="{41DB2E7E-21D7-476B-9027-D1D28AA828D1}"/>
+              </a:ext>
+            </a:extLst>
+          </p:cNvPr>
+          <p:cNvSpPr>
+            <a:spLocks noGrp="1"/>
+          </p:cNvSpPr>
+          <p:nvPr>
+            <p:ph type="sldNum" sz="quarter" idx="12"/>
+          </p:nvPr>
+        </p:nvSpPr>
+        <p:spPr/>
+        <p:txBody>
+          <a:bodyPr/>
+          <a:lstStyle/>
+          <a:p>
+            <a:fld id="{48F63A3B-78C7-47BE-AE5E-E10140E04643}" type="slidenum">
+              <a:rPr lang="en-US" dirty="0"/>
+              <a:t>11</a:t>
+            </a:fld>
+            <a:endParaRPr lang="en-US"/>
+          </a:p>
+        </p:txBody>
+      </p:sp>
+    </p:spTree>
+    <p:extLst>
+      <p:ext uri="{BB962C8B-B14F-4D97-AF65-F5344CB8AC3E}">
+        <p14:creationId xmlns:p14="http://schemas.microsoft.com/office/powerpoint/2010/main" val="1727887245"/>
+      </p:ext>
+    </p:extLst>
+  </p:cSld>
+  <p:clrMapOvr>
+    <a:masterClrMapping/>
+  </p:clrMapOvr>
+</p:sld>
+</file>
+
+<file path=ppt/slides/slide12.xml><?xml version="1.0" encoding="utf-8"?>
+<p:sld xmlns:a="http://schemas.openxmlformats.org/drawingml/2006/main" xmlns:r="http://schemas.openxmlformats.org/officeDocument/2006/relationships" xmlns:p="http://schemas.openxmlformats.org/presentationml/2006/main">
+  <p:cSld>
+    <p:spTree>
+      <p:nvGrpSpPr>
+        <p:cNvPr id="1" name=""/>
+        <p:cNvGrpSpPr/>
+        <p:nvPr/>
+      </p:nvGrpSpPr>
+      <p:grpSpPr>
+        <a:xfrm>
+          <a:off x="0" y="0"/>
+          <a:ext cx="0" cy="0"/>
+          <a:chOff x="0" y="0"/>
+          <a:chExt cx="0" cy="0"/>
+        </a:xfrm>
+      </p:grpSpPr>
+      <p:pic>
+        <p:nvPicPr>
+          <p:cNvPr id="6" name="Picture 7" descr="A close up of a flower&#10;&#10;Description generated with high confidence">
+            <a:extLst>
+              <a:ext uri="{FF2B5EF4-FFF2-40B4-BE49-F238E27FC236}">
+                <a16:creationId xmlns:a16="http://schemas.microsoft.com/office/drawing/2014/main" id="{C62705C5-756D-4697-B646-471D03DFC969}"/>
+              </a:ext>
+            </a:extLst>
+          </p:cNvPr>
+          <p:cNvPicPr>
+            <a:picLocks noChangeAspect="1"/>
+          </p:cNvPicPr>
+          <p:nvPr/>
+        </p:nvPicPr>
+        <p:blipFill>
+          <a:blip r:embed="rId2"/>
+          <a:stretch>
+            <a:fillRect/>
+          </a:stretch>
+        </p:blipFill>
+        <p:spPr>
+          <a:xfrm>
+            <a:off x="6264" y="-5052"/>
+            <a:ext cx="12189910" cy="6878541"/>
+          </a:xfrm>
+          <a:prstGeom prst="rect">
+            <a:avLst/>
+          </a:prstGeom>
+        </p:spPr>
+      </p:pic>
+      <p:sp>
+        <p:nvSpPr>
+          <p:cNvPr id="2" name="Title 1">
+            <a:extLst>
+              <a:ext uri="{FF2B5EF4-FFF2-40B4-BE49-F238E27FC236}">
+                <a16:creationId xmlns:a16="http://schemas.microsoft.com/office/drawing/2014/main" id="{13CBCA27-E1CD-F843-8043-E2926725C41A}"/>
+              </a:ext>
+            </a:extLst>
+          </p:cNvPr>
+          <p:cNvSpPr>
+            <a:spLocks noGrp="1"/>
+          </p:cNvSpPr>
+          <p:nvPr>
+            <p:ph type="title"/>
+          </p:nvPr>
+        </p:nvSpPr>
+        <p:spPr>
+          <a:xfrm>
+            <a:off x="609600" y="912748"/>
+            <a:ext cx="10515600" cy="1325563"/>
+          </a:xfrm>
+        </p:spPr>
+        <p:txBody>
+          <a:bodyPr>
+            <a:normAutofit fontScale="90000"/>
+          </a:bodyPr>
+          <a:lstStyle/>
+          <a:p>
+            <a:br>
+              <a:rPr lang="en-US">
+                <a:ea typeface="+mj-lt"/>
+                <a:cs typeface="+mj-lt"/>
+              </a:rPr>
+            </a:br>
+            <a:r>
+              <a:rPr lang="en-US">
+                <a:ea typeface="+mj-lt"/>
+                <a:cs typeface="+mj-lt"/>
+              </a:rPr>
+              <a:t>Model visualization , Web app creation, Documentation and Team Management</a:t>
+            </a:r>
+          </a:p>
+          <a:p>
+            <a:endParaRPr lang="en-US">
+              <a:cs typeface="Calibri Light"/>
+            </a:endParaRPr>
+          </a:p>
+        </p:txBody>
+      </p:sp>
+      <p:sp>
+        <p:nvSpPr>
+          <p:cNvPr id="3" name="Content Placeholder 2">
+            <a:extLst>
+              <a:ext uri="{FF2B5EF4-FFF2-40B4-BE49-F238E27FC236}">
+                <a16:creationId xmlns:a16="http://schemas.microsoft.com/office/drawing/2014/main" id="{D24987B0-FF26-7A4C-B8B2-43601B8E5AB3}"/>
+              </a:ext>
+            </a:extLst>
+          </p:cNvPr>
+          <p:cNvSpPr>
+            <a:spLocks noGrp="1"/>
+          </p:cNvSpPr>
+          <p:nvPr>
+            <p:ph idx="1"/>
+          </p:nvPr>
+        </p:nvSpPr>
+        <p:spPr>
+          <a:xfrm>
+            <a:off x="565759" y="1961324"/>
+            <a:ext cx="10515600" cy="4351338"/>
+          </a:xfrm>
+        </p:spPr>
+        <p:txBody>
+          <a:bodyPr vert="horz" lIns="91440" tIns="45720" rIns="91440" bIns="45720" rtlCol="0" anchor="t">
+            <a:normAutofit lnSpcReduction="10000"/>
+          </a:bodyPr>
+          <a:lstStyle/>
+          <a:p>
+            <a:endParaRPr lang="en-US" sz="2600">
+              <a:cs typeface="Calibri"/>
+            </a:endParaRPr>
+          </a:p>
+          <a:p>
+            <a:r>
+              <a:rPr lang="en-US" sz="2600" dirty="0">
+                <a:cs typeface="Calibri"/>
+              </a:rPr>
+              <a:t>Found </a:t>
+            </a:r>
+            <a:r>
+              <a:rPr lang="en-US" sz="2600" b="1" dirty="0">
+                <a:cs typeface="Calibri"/>
+              </a:rPr>
+              <a:t>Dataset </a:t>
+            </a:r>
+            <a:r>
+              <a:rPr lang="en-US" sz="2600" dirty="0">
+                <a:cs typeface="Calibri"/>
+              </a:rPr>
+              <a:t>and came up with overall aims</a:t>
+            </a:r>
+          </a:p>
+          <a:p>
+            <a:r>
+              <a:rPr lang="en-US" sz="2600" dirty="0">
+                <a:cs typeface="Calibri"/>
+              </a:rPr>
+              <a:t> Created </a:t>
+            </a:r>
+            <a:r>
+              <a:rPr lang="en-US" sz="2600" b="1" dirty="0">
+                <a:cs typeface="Calibri"/>
+              </a:rPr>
+              <a:t>Project Proposal</a:t>
+            </a:r>
+            <a:endParaRPr lang="en-US" sz="2600" dirty="0">
+              <a:cs typeface="Calibri"/>
+            </a:endParaRPr>
+          </a:p>
+          <a:p>
+            <a:r>
+              <a:rPr lang="en-US" sz="2600" dirty="0">
+                <a:cs typeface="Calibri"/>
+              </a:rPr>
+              <a:t>Implemented </a:t>
+            </a:r>
+            <a:r>
+              <a:rPr lang="en-US" sz="2600" b="1" dirty="0">
+                <a:cs typeface="Calibri"/>
+              </a:rPr>
+              <a:t>Top5 and Top10</a:t>
+            </a:r>
+            <a:r>
+              <a:rPr lang="en-US" sz="2600" dirty="0">
+                <a:cs typeface="Calibri"/>
+              </a:rPr>
+              <a:t> accuracies</a:t>
+            </a:r>
+            <a:endParaRPr lang="en-US" sz="2600" dirty="0">
+              <a:ea typeface="+mn-lt"/>
+              <a:cs typeface="+mn-lt"/>
+            </a:endParaRPr>
+          </a:p>
+          <a:p>
+            <a:r>
+              <a:rPr lang="en-US" sz="2600" dirty="0">
+                <a:cs typeface="Calibri"/>
+              </a:rPr>
+              <a:t> Generated </a:t>
+            </a:r>
+            <a:r>
+              <a:rPr lang="en-US" sz="2600" b="1" dirty="0">
+                <a:cs typeface="Calibri"/>
+              </a:rPr>
+              <a:t>visualization </a:t>
+            </a:r>
+            <a:r>
+              <a:rPr lang="en-US" sz="2600" dirty="0">
+                <a:cs typeface="Calibri"/>
+              </a:rPr>
+              <a:t>like </a:t>
+            </a:r>
+            <a:r>
+              <a:rPr lang="en-US" sz="2600" b="1" dirty="0">
+                <a:cs typeface="Calibri"/>
+              </a:rPr>
+              <a:t>confusion matrix </a:t>
+            </a:r>
+            <a:r>
+              <a:rPr lang="en-US" sz="2600" dirty="0">
+                <a:cs typeface="Calibri"/>
+              </a:rPr>
+              <a:t>and </a:t>
+            </a:r>
+            <a:r>
+              <a:rPr lang="en-US" sz="2600" b="1" dirty="0">
+                <a:cs typeface="Calibri"/>
+              </a:rPr>
+              <a:t>accuracy plot</a:t>
+            </a:r>
+            <a:r>
+              <a:rPr lang="en-US" sz="2600" dirty="0">
+                <a:cs typeface="Calibri"/>
+              </a:rPr>
+              <a:t> for Top1-5-10.</a:t>
+            </a:r>
+            <a:endParaRPr lang="en-US" sz="2600" dirty="0">
+              <a:ea typeface="+mn-lt"/>
+              <a:cs typeface="+mn-lt"/>
+            </a:endParaRPr>
+          </a:p>
+          <a:p>
+            <a:r>
+              <a:rPr lang="en-US" sz="2600" dirty="0">
+                <a:ea typeface="+mn-lt"/>
+                <a:cs typeface="+mn-lt"/>
+              </a:rPr>
+              <a:t> Created the </a:t>
+            </a:r>
+            <a:r>
+              <a:rPr lang="en-US" sz="2600" b="1" dirty="0">
+                <a:ea typeface="+mn-lt"/>
+                <a:cs typeface="+mn-lt"/>
+              </a:rPr>
+              <a:t>Web app</a:t>
+            </a:r>
+          </a:p>
+          <a:p>
+            <a:r>
+              <a:rPr lang="en-US" sz="2600" dirty="0">
+                <a:cs typeface="Calibri"/>
+              </a:rPr>
+              <a:t> Wrote  </a:t>
+            </a:r>
+            <a:r>
+              <a:rPr lang="en-US" sz="2600" b="1" dirty="0">
+                <a:cs typeface="Calibri"/>
+              </a:rPr>
+              <a:t>Methods </a:t>
+            </a:r>
+            <a:r>
+              <a:rPr lang="en-US" sz="2600" dirty="0">
+                <a:cs typeface="Calibri"/>
+              </a:rPr>
+              <a:t>and </a:t>
+            </a:r>
+            <a:r>
+              <a:rPr lang="en-US" sz="2600" b="1" dirty="0">
+                <a:cs typeface="Calibri"/>
+              </a:rPr>
+              <a:t>Result </a:t>
+            </a:r>
+            <a:r>
+              <a:rPr lang="en-US" sz="2600" dirty="0">
+                <a:cs typeface="Calibri"/>
+              </a:rPr>
+              <a:t>section of our paper</a:t>
+            </a:r>
+            <a:endParaRPr lang="en-US" sz="2600" dirty="0">
+              <a:ea typeface="+mn-lt"/>
+              <a:cs typeface="+mn-lt"/>
+            </a:endParaRPr>
+          </a:p>
+          <a:p>
+            <a:r>
+              <a:rPr lang="en-US" sz="2600" dirty="0">
+                <a:cs typeface="Calibri"/>
+              </a:rPr>
+              <a:t> Created the </a:t>
+            </a:r>
+            <a:r>
+              <a:rPr lang="en-US" sz="2600" b="1" dirty="0">
+                <a:ea typeface="+mn-lt"/>
+                <a:cs typeface="+mn-lt"/>
+              </a:rPr>
+              <a:t>demo </a:t>
+            </a:r>
+            <a:r>
+              <a:rPr lang="en-US" sz="2600" dirty="0">
+                <a:ea typeface="+mn-lt"/>
+                <a:cs typeface="+mn-lt"/>
+              </a:rPr>
+              <a:t>walkthrough</a:t>
+            </a:r>
+            <a:r>
+              <a:rPr lang="en-US" sz="2600" dirty="0">
+                <a:cs typeface="Calibri"/>
+              </a:rPr>
+              <a:t> and the </a:t>
+            </a:r>
+            <a:r>
+              <a:rPr lang="en-US" sz="2600" b="1" dirty="0">
+                <a:ea typeface="+mn-lt"/>
+                <a:cs typeface="+mn-lt"/>
+              </a:rPr>
+              <a:t>Readme </a:t>
+            </a:r>
+            <a:r>
+              <a:rPr lang="en-US" sz="2600" dirty="0">
+                <a:ea typeface="+mn-lt"/>
+                <a:cs typeface="+mn-lt"/>
+              </a:rPr>
+              <a:t>page </a:t>
+            </a:r>
+          </a:p>
+          <a:p>
+            <a:r>
+              <a:rPr lang="en-US" sz="2600" dirty="0">
+                <a:cs typeface="Calibri"/>
+              </a:rPr>
+              <a:t> Co-ordinated team meetings and Initiated work and strategies</a:t>
+            </a:r>
+            <a:endParaRPr lang="en-US" sz="2600" dirty="0">
+              <a:ea typeface="+mn-lt"/>
+              <a:cs typeface="+mn-lt"/>
+            </a:endParaRPr>
+          </a:p>
+          <a:p>
+            <a:endParaRPr lang="en-US" sz="2600">
+              <a:ea typeface="+mn-lt"/>
+              <a:cs typeface="+mn-lt"/>
+            </a:endParaRPr>
+          </a:p>
+          <a:p>
+            <a:endParaRPr lang="en-US" sz="2600">
+              <a:ea typeface="+mn-lt"/>
+              <a:cs typeface="+mn-lt"/>
+            </a:endParaRPr>
+          </a:p>
+          <a:p>
+            <a:endParaRPr lang="en-US" sz="2600">
+              <a:ea typeface="+mn-lt"/>
+              <a:cs typeface="+mn-lt"/>
+            </a:endParaRPr>
+          </a:p>
+          <a:p>
+            <a:endParaRPr lang="en-US" sz="2600">
+              <a:ea typeface="+mn-lt"/>
+              <a:cs typeface="+mn-lt"/>
+            </a:endParaRPr>
+          </a:p>
+          <a:p>
+            <a:endParaRPr lang="en-US" sz="2600">
+              <a:ea typeface="+mn-lt"/>
+              <a:cs typeface="+mn-lt"/>
+            </a:endParaRPr>
+          </a:p>
+          <a:p>
+            <a:endParaRPr lang="en-US" sz="2600">
+              <a:cs typeface="Calibri"/>
+            </a:endParaRPr>
+          </a:p>
+        </p:txBody>
+      </p:sp>
+      <p:sp>
+        <p:nvSpPr>
+          <p:cNvPr id="4" name="TextBox 3">
+            <a:extLst>
+              <a:ext uri="{FF2B5EF4-FFF2-40B4-BE49-F238E27FC236}">
+                <a16:creationId xmlns:a16="http://schemas.microsoft.com/office/drawing/2014/main" id="{5896261B-18D4-4F68-A255-ABAC5B06F777}"/>
+              </a:ext>
+            </a:extLst>
+          </p:cNvPr>
+          <p:cNvSpPr txBox="1"/>
+          <p:nvPr/>
+        </p:nvSpPr>
+        <p:spPr>
+          <a:xfrm>
+            <a:off x="188151" y="276616"/>
+            <a:ext cx="2743200" cy="584775"/>
+          </a:xfrm>
+          <a:prstGeom prst="rect">
+            <a:avLst/>
+          </a:prstGeom>
+          <a:noFill/>
+        </p:spPr>
+        <p:txBody>
+          <a:bodyPr rot="0" spcFirstLastPara="0" vertOverflow="overflow" horzOverflow="overflow" vert="horz" wrap="square" lIns="91440" tIns="45720" rIns="91440" bIns="45720" numCol="1" spcCol="0" rtlCol="0" fromWordArt="0" anchor="t" anchorCtr="0" forceAA="0" compatLnSpc="1">
+            <a:prstTxWarp prst="textNoShape">
+              <a:avLst/>
+            </a:prstTxWarp>
+            <a:spAutoFit/>
+          </a:bodyPr>
+          <a:lstStyle/>
+          <a:p>
+            <a:r>
+              <a:rPr lang="en-US" sz="3200">
                 <a:cs typeface="Calibri"/>
               </a:rPr>
               <a:t>Heena</a:t>
@@ -3685,7 +4273,7 @@
 </p:sld>
 </file>
 
-<file path=ppt/slides/slide11.xml><?xml version="1.0" encoding="utf-8"?>
+<file path=ppt/slides/slide13.xml><?xml version="1.0" encoding="utf-8"?>
 <p:sld xmlns:a="http://schemas.openxmlformats.org/drawingml/2006/main" xmlns:r="http://schemas.openxmlformats.org/officeDocument/2006/relationships" xmlns:p="http://schemas.openxmlformats.org/presentationml/2006/main">
   <p:cSld>
     <p:spTree>
@@ -3724,7 +4312,7 @@
         </p:blipFill>
         <p:spPr>
           <a:xfrm>
-            <a:off x="6264" y="-5052"/>
+            <a:off x="-3261" y="4473"/>
             <a:ext cx="12189910" cy="6878541"/>
           </a:xfrm>
           <a:prstGeom prst="rect">
@@ -3748,7 +4336,12 @@
             <p:ph type="title"/>
           </p:nvPr>
         </p:nvSpPr>
-        <p:spPr/>
+        <p:spPr>
+          <a:xfrm>
+            <a:off x="304800" y="1174750"/>
+            <a:ext cx="10515600" cy="1325563"/>
+          </a:xfrm>
+        </p:spPr>
         <p:txBody>
           <a:bodyPr/>
           <a:lstStyle/>
@@ -3776,7 +4369,12 @@
             <p:ph idx="1"/>
           </p:nvPr>
         </p:nvSpPr>
-        <p:spPr/>
+        <p:spPr>
+          <a:xfrm>
+            <a:off x="304800" y="2740025"/>
+            <a:ext cx="10687050" cy="2713038"/>
+          </a:xfrm>
+        </p:spPr>
         <p:txBody>
           <a:bodyPr vert="horz" lIns="91440" tIns="45720" rIns="91440" bIns="45720" rtlCol="0" anchor="t">
             <a:normAutofit/>
@@ -3792,19 +4390,16 @@
             <a:pPr lvl="1"/>
             <a:r>
               <a:rPr lang="en-US"/>
-              <a:t>Condensed results into a slide, as well as creating individual contribution slides.</a:t>
-            </a:r>
+              <a:t>Condensed relevant information from research paper into presentable slides, as well as creating individual contribution slides.</a:t>
+            </a:r>
+            <a:endParaRPr lang="en-US">
+              <a:cs typeface="Calibri"/>
+            </a:endParaRPr>
           </a:p>
           <a:p>
             <a:r>
               <a:rPr lang="en-US"/>
               <a:t>Milestone Writing</a:t>
-            </a:r>
-          </a:p>
-          <a:p>
-            <a:r>
-              <a:rPr lang="en-US"/>
-              <a:t>Assisted in Project Proposal</a:t>
             </a:r>
           </a:p>
         </p:txBody>
@@ -3823,8 +4418,8 @@
         </p:nvSpPr>
         <p:spPr>
           <a:xfrm>
-            <a:off x="4527376" y="242692"/>
-            <a:ext cx="2743200" cy="369332"/>
+            <a:off x="307801" y="242692"/>
+            <a:ext cx="2743200" cy="584775"/>
           </a:xfrm>
           <a:prstGeom prst="rect">
             <a:avLst/>
@@ -3841,7 +4436,7 @@
           <a:lstStyle/>
           <a:p>
             <a:r>
-              <a:rPr lang="en-US"/>
+              <a:rPr lang="en-US" sz="3200"/>
               <a:t>Mason</a:t>
             </a:r>
           </a:p>
@@ -3860,7 +4455,7 @@
 </p:sld>
 </file>
 
-<file path=ppt/slides/slide12.xml><?xml version="1.0" encoding="utf-8"?>
+<file path=ppt/slides/slide14.xml><?xml version="1.0" encoding="utf-8"?>
 <p:sld xmlns:a="http://schemas.openxmlformats.org/drawingml/2006/main" xmlns:r="http://schemas.openxmlformats.org/officeDocument/2006/relationships" xmlns:p="http://schemas.openxmlformats.org/presentationml/2006/main">
   <p:cSld>
     <p:spTree>
@@ -3925,7 +4520,7 @@
         </p:nvSpPr>
         <p:spPr>
           <a:xfrm>
-            <a:off x="2970602" y="152400"/>
+            <a:off x="2112257" y="29779"/>
             <a:ext cx="10018713" cy="1752599"/>
           </a:xfrm>
         </p:spPr>
@@ -3938,7 +4533,7 @@
                 <a:ea typeface="+mj-lt"/>
                 <a:cs typeface="+mj-lt"/>
               </a:rPr>
-              <a:t>Discussion</a:t>
+              <a:t>Research and Documentation</a:t>
             </a:r>
             <a:endParaRPr lang="en-US"/>
           </a:p>
@@ -3962,44 +4557,60 @@
         </p:nvSpPr>
         <p:spPr>
           <a:xfrm>
-            <a:off x="330428" y="1434333"/>
-            <a:ext cx="9563210" cy="5209132"/>
+            <a:off x="142293" y="1511409"/>
+            <a:ext cx="11462779" cy="5097723"/>
           </a:xfrm>
         </p:spPr>
         <p:txBody>
           <a:bodyPr vert="horz" lIns="91440" tIns="45720" rIns="91440" bIns="45720" rtlCol="0" anchor="t">
-            <a:normAutofit fontScale="92500" lnSpcReduction="10000"/>
+            <a:normAutofit fontScale="77500" lnSpcReduction="20000"/>
           </a:bodyPr>
           <a:lstStyle/>
           <a:p>
             <a:r>
-              <a:rPr lang="en-US"/>
+              <a:rPr lang="en-US" dirty="0"/>
               <a:t>Failed Miserably at contributing to network design</a:t>
             </a:r>
           </a:p>
           <a:p>
-            <a:r>
-              <a:rPr lang="en-US"/>
+            <a:endParaRPr lang="en-US"/>
+          </a:p>
+          <a:p>
+            <a:r>
+              <a:rPr lang="en-US" dirty="0"/>
               <a:t>Researched network design</a:t>
             </a:r>
+            <a:endParaRPr lang="en-US" dirty="0">
+              <a:cs typeface="Calibri"/>
+            </a:endParaRPr>
           </a:p>
           <a:p>
             <a:pPr lvl="1"/>
             <a:r>
-              <a:rPr lang="en-US" sz="2400" err="1"/>
+              <a:rPr lang="en-US" sz="2400" dirty="0" err="1"/>
               <a:t>NASNet</a:t>
             </a:r>
             <a:r>
-              <a:rPr lang="en-US" sz="2400"/>
-              <a:t> – Designing a search space so the complexity of the architecture is independent of the depth of the network and size of the input images [0]</a:t>
-            </a:r>
+              <a:rPr lang="en-US" sz="2400" dirty="0"/>
+              <a:t> – Designing a search space so the complexity of the architecture is independent of the depth of the network and size of the input images</a:t>
+            </a:r>
+            <a:endParaRPr lang="en-US" sz="2400" dirty="0">
+              <a:cs typeface="Calibri"/>
+            </a:endParaRPr>
           </a:p>
           <a:p>
             <a:pPr lvl="1"/>
-            <a:r>
-              <a:rPr lang="en-US" sz="2400"/>
+            <a:endParaRPr lang="en-US" dirty="0"/>
+          </a:p>
+          <a:p>
+            <a:pPr lvl="1"/>
+            <a:r>
+              <a:rPr lang="en-US" sz="2400" dirty="0"/>
               <a:t>Convolution Cells – This approach used convolution networks composed of 'cells' with identical structures but with different weights.</a:t>
             </a:r>
+            <a:endParaRPr lang="en-US" sz="2400" dirty="0">
+              <a:cs typeface="Calibri"/>
+            </a:endParaRPr>
           </a:p>
           <a:p>
             <a:pPr lvl="2">
@@ -4007,9 +4618,12 @@
               <a:buChar char="Ø"/>
             </a:pPr>
             <a:r>
-              <a:rPr lang="en-US" sz="2400"/>
+              <a:rPr lang="en-US" sz="2400" dirty="0"/>
               <a:t>This is much faster than searching the entire network architectures.</a:t>
             </a:r>
+            <a:endParaRPr lang="en-US" sz="2400" dirty="0">
+              <a:cs typeface="Calibri"/>
+            </a:endParaRPr>
           </a:p>
           <a:p>
             <a:pPr lvl="2">
@@ -4017,38 +4631,65 @@
               <a:buChar char="Ø"/>
             </a:pPr>
             <a:r>
-              <a:rPr lang="en-US" sz="2400"/>
+              <a:rPr lang="en-US" sz="2400" dirty="0"/>
               <a:t>The cell is more likely to generalize to other problems – good for our project.</a:t>
             </a:r>
+            <a:endParaRPr lang="en-US" dirty="0"/>
+          </a:p>
+          <a:p>
+            <a:pPr lvl="1"/>
+            <a:endParaRPr lang="en-US" dirty="0"/>
+          </a:p>
+          <a:p>
+            <a:pPr lvl="1"/>
+            <a:r>
+              <a:rPr lang="en-US" sz="2400" dirty="0"/>
+              <a:t>The original </a:t>
+            </a:r>
+            <a:r>
+              <a:rPr lang="en-US" sz="2400" dirty="0" err="1"/>
+              <a:t>NASNet</a:t>
+            </a:r>
+            <a:r>
+              <a:rPr lang="en-US" sz="2400" dirty="0"/>
+              <a:t> was trained on a smaller image data-set, then using the best</a:t>
+            </a:r>
+            <a:r>
+              <a:rPr lang="en-US" dirty="0"/>
+              <a:t> </a:t>
+            </a:r>
+            <a:r>
+              <a:rPr lang="en-US" sz="2400" dirty="0"/>
+              <a:t>convolution cells trained on a larger image data-set on ImageNet.</a:t>
+            </a:r>
+            <a:endParaRPr lang="en-US" sz="2400" dirty="0">
+              <a:cs typeface="Calibri"/>
+            </a:endParaRPr>
+          </a:p>
+          <a:p>
+            <a:pPr lvl="1"/>
+            <a:endParaRPr lang="en-US" dirty="0"/>
+          </a:p>
+          <a:p>
+            <a:pPr lvl="1"/>
+            <a:r>
+              <a:rPr lang="en-US" sz="2400" dirty="0"/>
+              <a:t>Our network used the weights that were pre-trained on this ImageNet.</a:t>
+            </a:r>
+            <a:endParaRPr lang="en-US" dirty="0"/>
+          </a:p>
+          <a:p>
+            <a:pPr lvl="1"/>
             <a:endParaRPr lang="en-US"/>
           </a:p>
           <a:p>
-            <a:pPr lvl="1"/>
-            <a:r>
-              <a:rPr lang="en-US" sz="2400"/>
-              <a:t>The original </a:t>
-            </a:r>
-            <a:r>
-              <a:rPr lang="en-US" sz="2400" err="1"/>
-              <a:t>NASNet</a:t>
-            </a:r>
-            <a:r>
-              <a:rPr lang="en-US" sz="2400"/>
-              <a:t> was trained on a smaller image data-set, then using the best convolution cells trained on a larger image data-set on ImageNet.</a:t>
-            </a:r>
-          </a:p>
-          <a:p>
-            <a:pPr lvl="1"/>
-            <a:r>
-              <a:rPr lang="en-US" sz="2400"/>
-              <a:t>Our network used the weights that were pre-trained on this ImageNet.</a:t>
-            </a:r>
-          </a:p>
-          <a:p>
-            <a:r>
-              <a:rPr lang="en-US"/>
+            <a:r>
+              <a:rPr lang="en-US" dirty="0"/>
               <a:t>I now understand there is a set of weights that could achieve 100% accuracy on this task and that I will not be the one to find these weights.</a:t>
             </a:r>
+            <a:endParaRPr lang="en-US" dirty="0">
+              <a:cs typeface="Calibri"/>
+            </a:endParaRPr>
           </a:p>
         </p:txBody>
       </p:sp>
@@ -4066,8 +4707,8 @@
         </p:nvSpPr>
         <p:spPr>
           <a:xfrm>
-            <a:off x="3650555" y="157358"/>
-            <a:ext cx="2743200" cy="369332"/>
+            <a:off x="145355" y="197998"/>
+            <a:ext cx="2743200" cy="584775"/>
           </a:xfrm>
           <a:prstGeom prst="rect">
             <a:avLst/>
@@ -4084,7 +4725,7 @@
           <a:lstStyle/>
           <a:p>
             <a:r>
-              <a:rPr lang="en-US"/>
+              <a:rPr lang="en-US" sz="3200"/>
               <a:t>Matthew</a:t>
             </a:r>
           </a:p>
@@ -4103,7 +4744,7 @@
 </p:sld>
 </file>
 
-<file path=ppt/slides/slide13.xml><?xml version="1.0" encoding="utf-8"?>
+<file path=ppt/slides/slide15.xml><?xml version="1.0" encoding="utf-8"?>
 <p:sld xmlns:a="http://schemas.openxmlformats.org/drawingml/2006/main" xmlns:r="http://schemas.openxmlformats.org/officeDocument/2006/relationships" xmlns:p="http://schemas.openxmlformats.org/presentationml/2006/main">
   <p:cSld>
     <p:spTree>
@@ -4122,10 +4763,10 @@
       </p:grpSpPr>
       <p:pic>
         <p:nvPicPr>
-          <p:cNvPr id="5" name="Picture 7" descr="A close up of a flower&#10;&#10;Description generated with high confidence">
+          <p:cNvPr id="4" name="Picture 4" descr="A close up of a flower&#10;&#10;Description generated with high confidence">
             <a:extLst>
               <a:ext uri="{FF2B5EF4-FFF2-40B4-BE49-F238E27FC236}">
-                <a16:creationId xmlns:a16="http://schemas.microsoft.com/office/drawing/2014/main" id="{505486A7-180F-4A9A-9653-BD9FA6DD54FD}"/>
+                <a16:creationId xmlns:a16="http://schemas.microsoft.com/office/drawing/2014/main" id="{87A1507E-1B93-4A8B-B271-3F14768F0A12}"/>
               </a:ext>
             </a:extLst>
           </p:cNvPr>
@@ -4142,8 +4783,8 @@
         </p:blipFill>
         <p:spPr>
           <a:xfrm>
-            <a:off x="6264" y="-5052"/>
-            <a:ext cx="12189910" cy="6878541"/>
+            <a:off x="0" y="-3096"/>
+            <a:ext cx="12192000" cy="6864191"/>
           </a:xfrm>
           <a:prstGeom prst="rect">
             <a:avLst/>
@@ -4155,7 +4796,7 @@
           <p:cNvPr id="2" name="Title 1">
             <a:extLst>
               <a:ext uri="{FF2B5EF4-FFF2-40B4-BE49-F238E27FC236}">
-                <a16:creationId xmlns:a16="http://schemas.microsoft.com/office/drawing/2014/main" id="{43774458-9B2C-4CE8-B097-51FFCE0291B5}"/>
+                <a16:creationId xmlns:a16="http://schemas.microsoft.com/office/drawing/2014/main" id="{31DB63ED-FBBF-3240-8AD2-E78C1422969E}"/>
               </a:ext>
             </a:extLst>
           </p:cNvPr>
@@ -4166,59 +4807,23 @@
             <p:ph type="title"/>
           </p:nvPr>
         </p:nvSpPr>
-        <p:spPr/>
+        <p:spPr>
+          <a:xfrm>
+            <a:off x="1407740" y="2692181"/>
+            <a:ext cx="7077075" cy="1325563"/>
+          </a:xfrm>
+        </p:spPr>
         <p:txBody>
           <a:bodyPr/>
           <a:lstStyle/>
           <a:p>
-            <a:r>
-              <a:rPr lang="en-US">
-                <a:cs typeface="Calibri Light"/>
-              </a:rPr>
-              <a:t>References </a:t>
-            </a:r>
-            <a:endParaRPr lang="en-US"/>
-          </a:p>
-        </p:txBody>
-      </p:sp>
-      <p:sp>
-        <p:nvSpPr>
-          <p:cNvPr id="3" name="Content Placeholder 2">
-            <a:extLst>
-              <a:ext uri="{FF2B5EF4-FFF2-40B4-BE49-F238E27FC236}">
-                <a16:creationId xmlns:a16="http://schemas.microsoft.com/office/drawing/2014/main" id="{ABBC435C-66A1-4619-AB2F-BE5FB9F1BA1A}"/>
-              </a:ext>
-            </a:extLst>
-          </p:cNvPr>
-          <p:cNvSpPr>
-            <a:spLocks noGrp="1"/>
-          </p:cNvSpPr>
-          <p:nvPr>
-            <p:ph idx="1"/>
-          </p:nvPr>
-        </p:nvSpPr>
-        <p:spPr>
-          <a:xfrm>
-            <a:off x="170145" y="2065707"/>
-            <a:ext cx="10515600" cy="4351338"/>
-          </a:xfrm>
-        </p:spPr>
-        <p:txBody>
-          <a:bodyPr vert="horz" lIns="91440" tIns="45720" rIns="91440" bIns="45720" rtlCol="0" anchor="t">
-            <a:normAutofit/>
-          </a:bodyPr>
-          <a:lstStyle/>
-          <a:p>
-            <a:r>
-              <a:rPr lang="en-US"/>
-              <a:t>[0] </a:t>
-            </a:r>
-            <a:r>
-              <a:rPr lang="en-US">
-                <a:ea typeface="+mn-lt"/>
-                <a:cs typeface="+mn-lt"/>
-              </a:rPr>
-              <a:t>B. Zoph, V. Vasudevan, J. Shlens, and Q. V. Le, “Learning transferablearchitectures for scalable image recognition,” 2017</a:t>
+            <a:pPr algn="ctr"/>
+            <a:r>
+              <a:rPr lang="en-US" b="1">
+                <a:ea typeface="+mj-lt"/>
+                <a:cs typeface="+mj-lt"/>
+              </a:rPr>
+              <a:t>Let's look at our DEMO</a:t>
             </a:r>
             <a:endParaRPr lang="en-US"/>
           </a:p>
@@ -4227,7 +4832,7 @@
     </p:spTree>
     <p:extLst>
       <p:ext uri="{BB962C8B-B14F-4D97-AF65-F5344CB8AC3E}">
-        <p14:creationId xmlns:p14="http://schemas.microsoft.com/office/powerpoint/2010/main" val="1468649772"/>
+        <p14:creationId xmlns:p14="http://schemas.microsoft.com/office/powerpoint/2010/main" val="738774927"/>
       </p:ext>
     </p:extLst>
   </p:cSld>
@@ -4284,8 +4889,8 @@
         </p:blipFill>
         <p:spPr>
           <a:xfrm>
-            <a:off x="-4175" y="5387"/>
-            <a:ext cx="12200350" cy="6909857"/>
+            <a:off x="-4175" y="-80338"/>
+            <a:ext cx="12257500" cy="6938432"/>
           </a:xfrm>
           <a:prstGeom prst="rect">
             <a:avLst/>
@@ -4310,8 +4915,8 @@
         </p:nvSpPr>
         <p:spPr>
           <a:xfrm>
-            <a:off x="2289001" y="7350"/>
-            <a:ext cx="6254496" cy="1828800"/>
+            <a:off x="317326" y="7350"/>
+            <a:ext cx="6940296" cy="1914525"/>
           </a:xfrm>
         </p:spPr>
         <p:txBody>
@@ -4323,14 +4928,14 @@
             <a:r>
               <a:rPr lang="en-US">
                 <a:solidFill>
-                  <a:schemeClr val="bg1"/>
+                  <a:srgbClr val="000000"/>
                 </a:solidFill>
               </a:rPr>
               <a:t>Introduction</a:t>
             </a:r>
             <a:endParaRPr lang="en-US">
               <a:solidFill>
-                <a:schemeClr val="bg1"/>
+                <a:srgbClr val="000000"/>
               </a:solidFill>
               <a:cs typeface="Calibri Light"/>
             </a:endParaRPr>
@@ -4355,8 +4960,8 @@
         </p:nvSpPr>
         <p:spPr>
           <a:xfrm>
-            <a:off x="383479" y="1577147"/>
-            <a:ext cx="9051974" cy="4015342"/>
+            <a:off x="192979" y="1824797"/>
+            <a:ext cx="10052099" cy="4196317"/>
           </a:xfrm>
         </p:spPr>
         <p:txBody>
@@ -4366,20 +4971,45 @@
           <a:lstStyle/>
           <a:p>
             <a:r>
-              <a:rPr lang="en-US" sz="2400">
+              <a:rPr lang="en-US" sz="2400" dirty="0">
                 <a:solidFill>
-                  <a:schemeClr val="bg1"/>
+                  <a:srgbClr val="000000"/>
                 </a:solidFill>
                 <a:ea typeface="+mn-lt"/>
                 <a:cs typeface="+mn-lt"/>
               </a:rPr>
-              <a:t>We are going to implement a Food recognition software into a Web app </a:t>
-            </a:r>
+              <a:t>This project uses convolutional neural network to generate a food recognition model for a</a:t>
+            </a:r>
+            <a:r>
+              <a:rPr lang="en-US" sz="2400" b="1" dirty="0">
+                <a:solidFill>
+                  <a:srgbClr val="000000"/>
+                </a:solidFill>
+                <a:ea typeface="+mn-lt"/>
+                <a:cs typeface="+mn-lt"/>
+              </a:rPr>
+              <a:t> Free-Food Finder </a:t>
+            </a:r>
+            <a:r>
+              <a:rPr lang="en-US" sz="2400" dirty="0">
+                <a:solidFill>
+                  <a:srgbClr val="000000"/>
+                </a:solidFill>
+                <a:ea typeface="+mn-lt"/>
+                <a:cs typeface="+mn-lt"/>
+              </a:rPr>
+              <a:t>webapp. </a:t>
+            </a:r>
+            <a:endParaRPr lang="en-US" dirty="0">
+              <a:solidFill>
+                <a:srgbClr val="000000"/>
+              </a:solidFill>
+            </a:endParaRPr>
           </a:p>
           <a:p>
             <a:endParaRPr lang="en-US" sz="2400">
               <a:solidFill>
-                <a:schemeClr val="bg1"/>
+                <a:srgbClr val="000000"/>
               </a:solidFill>
               <a:ea typeface="+mn-lt"/>
               <a:cs typeface="+mn-lt"/>
@@ -4387,194 +5017,202 @@
           </a:p>
           <a:p>
             <a:r>
-              <a:rPr lang="en-US" sz="2400">
+              <a:rPr lang="en-US" sz="2400" dirty="0">
                 <a:solidFill>
-                  <a:schemeClr val="bg1"/>
+                  <a:srgbClr val="000000"/>
                 </a:solidFill>
                 <a:ea typeface="+mn-lt"/>
                 <a:cs typeface="+mn-lt"/>
               </a:rPr>
-              <a:t> </a:t>
-            </a:r>
-            <a:r>
-              <a:rPr lang="en-US" sz="2400" b="1">
+              <a:t>The model is trained on a very famous dataset </a:t>
+            </a:r>
+            <a:r>
+              <a:rPr lang="en-US" sz="2400" b="1" dirty="0">
                 <a:solidFill>
-                  <a:schemeClr val="bg1"/>
+                  <a:srgbClr val="000000"/>
                 </a:solidFill>
                 <a:ea typeface="+mn-lt"/>
                 <a:cs typeface="+mn-lt"/>
               </a:rPr>
-              <a:t>Food-101 dataset </a:t>
-            </a:r>
-            <a:r>
-              <a:rPr lang="en-US" sz="2400">
+              <a:t>Food-101 </a:t>
+            </a:r>
+            <a:r>
+              <a:rPr lang="en-US" sz="2400" dirty="0">
                 <a:solidFill>
-                  <a:schemeClr val="bg1"/>
+                  <a:srgbClr val="000000"/>
                 </a:solidFill>
                 <a:ea typeface="+mn-lt"/>
                 <a:cs typeface="+mn-lt"/>
               </a:rPr>
-              <a:t>-  This is challenging dataset consisting of</a:t>
-            </a:r>
-            <a:r>
-              <a:rPr lang="en-US" sz="2400" b="1">
+              <a:t>provided by Kaggle and originally from the research paper "Food-101 – Mining Discriminative Components with Random Forests" by Lukas Bossard.</a:t>
+            </a:r>
+          </a:p>
+          <a:p>
+            <a:endParaRPr lang="en-US" sz="2400">
+              <a:solidFill>
+                <a:srgbClr val="000000"/>
+              </a:solidFill>
+              <a:ea typeface="+mn-lt"/>
+              <a:cs typeface="+mn-lt"/>
+            </a:endParaRPr>
+          </a:p>
+          <a:p>
+            <a:r>
+              <a:rPr lang="en-US" sz="2400" dirty="0">
                 <a:solidFill>
-                  <a:schemeClr val="bg1"/>
+                  <a:srgbClr val="000000"/>
                 </a:solidFill>
                 <a:ea typeface="+mn-lt"/>
                 <a:cs typeface="+mn-lt"/>
               </a:rPr>
-              <a:t> 101,000 </a:t>
-            </a:r>
-            <a:r>
-              <a:rPr lang="en-US" sz="2400">
+              <a:t> This is challenging dataset consisting of</a:t>
+            </a:r>
+            <a:r>
+              <a:rPr lang="en-US" sz="2400" b="1" dirty="0">
                 <a:solidFill>
-                  <a:schemeClr val="bg1"/>
+                  <a:srgbClr val="000000"/>
                 </a:solidFill>
                 <a:ea typeface="+mn-lt"/>
                 <a:cs typeface="+mn-lt"/>
               </a:rPr>
-              <a:t>images of </a:t>
-            </a:r>
-            <a:r>
-              <a:rPr lang="en-US" sz="2400" b="1">
+              <a:t> 101,000 images </a:t>
+            </a:r>
+            <a:r>
+              <a:rPr lang="en-US" sz="2400" dirty="0">
                 <a:solidFill>
-                  <a:schemeClr val="bg1"/>
+                  <a:srgbClr val="000000"/>
                 </a:solidFill>
                 <a:ea typeface="+mn-lt"/>
                 <a:cs typeface="+mn-lt"/>
               </a:rPr>
-              <a:t>101 </a:t>
-            </a:r>
-            <a:r>
-              <a:rPr lang="en-US" sz="2400">
+              <a:t>of </a:t>
+            </a:r>
+            <a:r>
+              <a:rPr lang="en-US" sz="2400" b="1" dirty="0">
                 <a:solidFill>
-                  <a:schemeClr val="bg1"/>
+                  <a:srgbClr val="000000"/>
                 </a:solidFill>
                 <a:ea typeface="+mn-lt"/>
                 <a:cs typeface="+mn-lt"/>
               </a:rPr>
-              <a:t>different food classes.  On purpose, the training images were not cleaned, and thus still contain some amount of </a:t>
-            </a:r>
-            <a:r>
-              <a:rPr lang="en-US" sz="2400" b="1">
+              <a:t>101 different food classes</a:t>
+            </a:r>
+            <a:r>
+              <a:rPr lang="en-US" sz="2400" dirty="0">
                 <a:solidFill>
-                  <a:schemeClr val="bg1"/>
+                  <a:srgbClr val="000000"/>
                 </a:solidFill>
                 <a:ea typeface="+mn-lt"/>
                 <a:cs typeface="+mn-lt"/>
               </a:rPr>
-              <a:t>noise</a:t>
-            </a:r>
-            <a:r>
-              <a:rPr lang="en-US" sz="2400">
+              <a:t>.  On purpose, the training images were not cleaned, and thus still contain some amount of </a:t>
+            </a:r>
+            <a:r>
+              <a:rPr lang="en-US" sz="2400" b="1" dirty="0">
                 <a:solidFill>
-                  <a:schemeClr val="bg1"/>
+                  <a:srgbClr val="000000"/>
                 </a:solidFill>
                 <a:ea typeface="+mn-lt"/>
                 <a:cs typeface="+mn-lt"/>
               </a:rPr>
-              <a:t>. This comes mostly in the form of </a:t>
-            </a:r>
-            <a:r>
-              <a:rPr lang="en-US" sz="2400" b="1">
+              <a:t>noise</a:t>
+            </a:r>
+            <a:r>
+              <a:rPr lang="en-US" sz="2400" dirty="0">
                 <a:solidFill>
-                  <a:schemeClr val="bg1"/>
+                  <a:srgbClr val="000000"/>
                 </a:solidFill>
                 <a:ea typeface="+mn-lt"/>
                 <a:cs typeface="+mn-lt"/>
               </a:rPr>
-              <a:t>intense colors</a:t>
-            </a:r>
-            <a:r>
-              <a:rPr lang="en-US" sz="2400">
+              <a:t>. This comes mostly in the form of </a:t>
+            </a:r>
+            <a:r>
+              <a:rPr lang="en-US" sz="2400" b="1" dirty="0">
                 <a:solidFill>
-                  <a:schemeClr val="bg1"/>
+                  <a:srgbClr val="000000"/>
                 </a:solidFill>
                 <a:ea typeface="+mn-lt"/>
                 <a:cs typeface="+mn-lt"/>
               </a:rPr>
-              <a:t> and sometimes </a:t>
-            </a:r>
-            <a:r>
-              <a:rPr lang="en-US" sz="2400" b="1">
+              <a:t>intense colors</a:t>
+            </a:r>
+            <a:r>
+              <a:rPr lang="en-US" sz="2400" dirty="0">
                 <a:solidFill>
-                  <a:schemeClr val="bg1"/>
+                  <a:srgbClr val="000000"/>
                 </a:solidFill>
                 <a:ea typeface="+mn-lt"/>
                 <a:cs typeface="+mn-lt"/>
               </a:rPr>
-              <a:t>wrong label.</a:t>
-            </a:r>
-            <a:r>
-              <a:rPr lang="en-US" sz="2400">
+              <a:t> and sometimes </a:t>
+            </a:r>
+            <a:r>
+              <a:rPr lang="en-US" sz="2400" b="1" dirty="0">
                 <a:solidFill>
-                  <a:schemeClr val="bg1"/>
+                  <a:srgbClr val="000000"/>
                 </a:solidFill>
                 <a:ea typeface="+mn-lt"/>
                 <a:cs typeface="+mn-lt"/>
               </a:rPr>
+              <a:t>wrong label.</a:t>
+            </a:r>
+            <a:r>
+              <a:rPr lang="en-US" sz="2400" dirty="0">
+                <a:solidFill>
+                  <a:srgbClr val="000000"/>
+                </a:solidFill>
+                <a:ea typeface="+mn-lt"/>
+                <a:cs typeface="+mn-lt"/>
+              </a:rPr>
               <a:t>  </a:t>
             </a:r>
-            <a:endParaRPr lang="en-US" sz="2400">
+            <a:endParaRPr lang="en-US" sz="2400" dirty="0">
               <a:solidFill>
-                <a:schemeClr val="bg1"/>
+                <a:srgbClr val="000000"/>
               </a:solidFill>
               <a:cs typeface="Calibri"/>
             </a:endParaRPr>
           </a:p>
-          <a:p>
-            <a:endParaRPr lang="en-US" sz="2400">
+        </p:txBody>
+      </p:sp>
+      <p:sp>
+        <p:nvSpPr>
+          <p:cNvPr id="3" name="Slide Number Placeholder 2">
+            <a:extLst>
+              <a:ext uri="{FF2B5EF4-FFF2-40B4-BE49-F238E27FC236}">
+                <a16:creationId xmlns:a16="http://schemas.microsoft.com/office/drawing/2014/main" id="{3588C341-F1AC-4434-B837-77FC81859855}"/>
+              </a:ext>
+            </a:extLst>
+          </p:cNvPr>
+          <p:cNvSpPr>
+            <a:spLocks noGrp="1"/>
+          </p:cNvSpPr>
+          <p:nvPr>
+            <p:ph type="sldNum" sz="quarter" idx="12"/>
+          </p:nvPr>
+        </p:nvSpPr>
+        <p:spPr>
+          <a:xfrm>
+            <a:off x="8610600" y="6356350"/>
+            <a:ext cx="3048000" cy="384175"/>
+          </a:xfrm>
+        </p:spPr>
+        <p:txBody>
+          <a:bodyPr/>
+          <a:lstStyle/>
+          <a:p>
+            <a:fld id="{48F63A3B-78C7-47BE-AE5E-E10140E04643}" type="slidenum">
+              <a:rPr lang="en-US" b="1" dirty="0">
+                <a:solidFill>
+                  <a:srgbClr val="000000"/>
+                </a:solidFill>
+              </a:rPr>
+              <a:t>2</a:t>
+            </a:fld>
+            <a:endParaRPr lang="en-US" b="1">
               <a:solidFill>
-                <a:schemeClr val="bg1"/>
-              </a:solidFill>
-              <a:cs typeface="Calibri"/>
-            </a:endParaRPr>
-          </a:p>
-          <a:p>
-            <a:r>
-              <a:rPr lang="en-US" sz="2400">
-                <a:solidFill>
-                  <a:schemeClr val="bg1"/>
-                </a:solidFill>
-              </a:rPr>
-              <a:t>We are using this dataset because it contains normal food images taken by a </a:t>
-            </a:r>
-            <a:r>
-              <a:rPr lang="en-US" sz="2400" b="1">
-                <a:solidFill>
-                  <a:schemeClr val="bg1"/>
-                </a:solidFill>
-              </a:rPr>
-              <a:t>mobile phone</a:t>
-            </a:r>
-            <a:r>
-              <a:rPr lang="en-US" sz="2400">
-                <a:solidFill>
-                  <a:schemeClr val="bg1"/>
-                </a:solidFill>
-              </a:rPr>
-              <a:t> rather than </a:t>
-            </a:r>
-            <a:r>
-              <a:rPr lang="en-US" sz="2400" b="1">
-                <a:solidFill>
-                  <a:schemeClr val="bg1"/>
-                </a:solidFill>
-              </a:rPr>
-              <a:t>beautifully showcased food</a:t>
-            </a:r>
-            <a:r>
-              <a:rPr lang="en-US" sz="2400">
-                <a:solidFill>
-                  <a:schemeClr val="bg1"/>
-                </a:solidFill>
-              </a:rPr>
-              <a:t>, this is the main requirement for our app</a:t>
-            </a:r>
-            <a:endParaRPr lang="en-US" sz="2400">
-              <a:solidFill>
-                <a:schemeClr val="bg1"/>
+                <a:srgbClr val="000000"/>
               </a:solidFill>
               <a:cs typeface="Calibri"/>
             </a:endParaRPr>
@@ -4621,6 +5259,523 @@
       </p:grpSpPr>
       <p:pic>
         <p:nvPicPr>
+          <p:cNvPr id="9" name="Picture 9" descr="A close up of a flower&#10;&#10;Description generated with high confidence">
+            <a:extLst>
+              <a:ext uri="{FF2B5EF4-FFF2-40B4-BE49-F238E27FC236}">
+                <a16:creationId xmlns:a16="http://schemas.microsoft.com/office/drawing/2014/main" id="{A86BE666-86BD-4447-8650-50854B2C5D11}"/>
+              </a:ext>
+            </a:extLst>
+          </p:cNvPr>
+          <p:cNvPicPr>
+            <a:picLocks noChangeAspect="1"/>
+          </p:cNvPicPr>
+          <p:nvPr/>
+        </p:nvPicPr>
+        <p:blipFill rotWithShape="1">
+          <a:blip r:embed="rId2"/>
+          <a:srcRect l="27" t="-62" r="28596" b="-453"/>
+          <a:stretch/>
+        </p:blipFill>
+        <p:spPr>
+          <a:xfrm>
+            <a:off x="-67510" y="-34805"/>
+            <a:ext cx="12294198" cy="7055738"/>
+          </a:xfrm>
+          <a:prstGeom prst="rect">
+            <a:avLst/>
+          </a:prstGeom>
+        </p:spPr>
+      </p:pic>
+      <p:sp>
+        <p:nvSpPr>
+          <p:cNvPr id="2" name="Title 1">
+            <a:extLst>
+              <a:ext uri="{FF2B5EF4-FFF2-40B4-BE49-F238E27FC236}">
+                <a16:creationId xmlns:a16="http://schemas.microsoft.com/office/drawing/2014/main" id="{3F954A97-5660-4CD5-8647-58ACFE7937F4}"/>
+              </a:ext>
+            </a:extLst>
+          </p:cNvPr>
+          <p:cNvSpPr>
+            <a:spLocks noGrp="1"/>
+          </p:cNvSpPr>
+          <p:nvPr>
+            <p:ph type="title"/>
+          </p:nvPr>
+        </p:nvSpPr>
+        <p:spPr>
+          <a:xfrm>
+            <a:off x="1174" y="-477251"/>
+            <a:ext cx="6264021" cy="1847850"/>
+          </a:xfrm>
+        </p:spPr>
+        <p:txBody>
+          <a:bodyPr>
+            <a:normAutofit/>
+          </a:bodyPr>
+          <a:lstStyle/>
+          <a:p>
+            <a:r>
+              <a:rPr lang="en-US">
+                <a:solidFill>
+                  <a:schemeClr val="bg1"/>
+                </a:solidFill>
+                <a:cs typeface="Calibri Light"/>
+              </a:rPr>
+              <a:t>Dataset</a:t>
+            </a:r>
+          </a:p>
+        </p:txBody>
+      </p:sp>
+      <p:sp>
+        <p:nvSpPr>
+          <p:cNvPr id="5" name="Content Placeholder 4">
+            <a:extLst>
+              <a:ext uri="{FF2B5EF4-FFF2-40B4-BE49-F238E27FC236}">
+                <a16:creationId xmlns:a16="http://schemas.microsoft.com/office/drawing/2014/main" id="{674CEBF0-0FFB-4637-BBFC-E85E88C4E57A}"/>
+              </a:ext>
+            </a:extLst>
+          </p:cNvPr>
+          <p:cNvSpPr>
+            <a:spLocks noGrp="1"/>
+          </p:cNvSpPr>
+          <p:nvPr>
+            <p:ph idx="1"/>
+          </p:nvPr>
+        </p:nvSpPr>
+        <p:spPr>
+          <a:xfrm>
+            <a:off x="-783" y="792314"/>
+            <a:ext cx="12204749" cy="4053442"/>
+          </a:xfrm>
+        </p:spPr>
+        <p:txBody>
+          <a:bodyPr vert="horz" lIns="91440" tIns="45720" rIns="91440" bIns="45720" rtlCol="0" anchor="t">
+            <a:noAutofit/>
+          </a:bodyPr>
+          <a:lstStyle/>
+          <a:p>
+            <a:pPr marL="0" indent="0">
+              <a:buNone/>
+            </a:pPr>
+            <a:r>
+              <a:rPr lang="en-US" sz="2400">
+                <a:solidFill>
+                  <a:schemeClr val="bg1"/>
+                </a:solidFill>
+                <a:cs typeface="Calibri"/>
+              </a:rPr>
+              <a:t>This is how images in our dataset looks like. </a:t>
+            </a:r>
+            <a:r>
+              <a:rPr lang="en-US" sz="2400">
+                <a:solidFill>
+                  <a:schemeClr val="bg1"/>
+                </a:solidFill>
+                <a:ea typeface="+mn-lt"/>
+                <a:cs typeface="+mn-lt"/>
+              </a:rPr>
+              <a:t>Even as a human, I think I’d struggle to classify them.</a:t>
+            </a:r>
+            <a:endParaRPr lang="en-US" sz="2400">
+              <a:solidFill>
+                <a:schemeClr val="bg1"/>
+              </a:solidFill>
+              <a:cs typeface="Calibri"/>
+            </a:endParaRPr>
+          </a:p>
+          <a:p>
+            <a:pPr marL="0" indent="0">
+              <a:buNone/>
+            </a:pPr>
+            <a:endParaRPr lang="en-US" sz="2400">
+              <a:solidFill>
+                <a:schemeClr val="bg1"/>
+              </a:solidFill>
+              <a:cs typeface="Calibri"/>
+            </a:endParaRPr>
+          </a:p>
+          <a:p>
+            <a:pPr marL="0" indent="0">
+              <a:buNone/>
+            </a:pPr>
+            <a:endParaRPr lang="en-US">
+              <a:cs typeface="Calibri" panose="020F0502020204030204"/>
+            </a:endParaRPr>
+          </a:p>
+        </p:txBody>
+      </p:sp>
+      <p:pic>
+        <p:nvPicPr>
+          <p:cNvPr id="3" name="Picture 3" descr="Several different types of food on a plate&#10;&#10;Description generated with high confidence">
+            <a:extLst>
+              <a:ext uri="{FF2B5EF4-FFF2-40B4-BE49-F238E27FC236}">
+                <a16:creationId xmlns:a16="http://schemas.microsoft.com/office/drawing/2014/main" id="{DEDDAFDD-6E6F-4582-B52C-A12D30E0BE9D}"/>
+              </a:ext>
+            </a:extLst>
+          </p:cNvPr>
+          <p:cNvPicPr>
+            <a:picLocks noChangeAspect="1"/>
+          </p:cNvPicPr>
+          <p:nvPr/>
+        </p:nvPicPr>
+        <p:blipFill>
+          <a:blip r:embed="rId3"/>
+          <a:stretch>
+            <a:fillRect/>
+          </a:stretch>
+        </p:blipFill>
+        <p:spPr>
+          <a:xfrm>
+            <a:off x="758869" y="1863254"/>
+            <a:ext cx="4396896" cy="2247360"/>
+          </a:xfrm>
+          <a:prstGeom prst="rect">
+            <a:avLst/>
+          </a:prstGeom>
+        </p:spPr>
+      </p:pic>
+      <p:sp>
+        <p:nvSpPr>
+          <p:cNvPr id="6" name="TextBox 5">
+            <a:extLst>
+              <a:ext uri="{FF2B5EF4-FFF2-40B4-BE49-F238E27FC236}">
+                <a16:creationId xmlns:a16="http://schemas.microsoft.com/office/drawing/2014/main" id="{E682A984-B164-4A35-B17D-F90E2B0BA2B0}"/>
+              </a:ext>
+            </a:extLst>
+          </p:cNvPr>
+          <p:cNvSpPr txBox="1"/>
+          <p:nvPr/>
+        </p:nvSpPr>
+        <p:spPr>
+          <a:xfrm>
+            <a:off x="2211888" y="1436318"/>
+            <a:ext cx="2743199" cy="369332"/>
+          </a:xfrm>
+          <a:prstGeom prst="rect">
+            <a:avLst/>
+          </a:prstGeom>
+          <a:noFill/>
+        </p:spPr>
+        <p:txBody>
+          <a:bodyPr rot="0" spcFirstLastPara="0" vertOverflow="overflow" horzOverflow="overflow" vert="horz" wrap="square" lIns="91440" tIns="45720" rIns="91440" bIns="45720" numCol="1" spcCol="0" rtlCol="0" fromWordArt="0" anchor="t" anchorCtr="0" forceAA="0" compatLnSpc="1">
+            <a:prstTxWarp prst="textNoShape">
+              <a:avLst/>
+            </a:prstTxWarp>
+            <a:spAutoFit/>
+          </a:bodyPr>
+          <a:lstStyle/>
+          <a:p>
+            <a:r>
+              <a:rPr lang="en-US">
+                <a:solidFill>
+                  <a:schemeClr val="bg1"/>
+                </a:solidFill>
+                <a:ea typeface="+mn-lt"/>
+                <a:cs typeface="+mn-lt"/>
+              </a:rPr>
+              <a:t>Bread Pudding</a:t>
+            </a:r>
+            <a:endParaRPr lang="en-US"/>
+          </a:p>
+        </p:txBody>
+      </p:sp>
+      <p:sp>
+        <p:nvSpPr>
+          <p:cNvPr id="10" name="TextBox 9">
+            <a:extLst>
+              <a:ext uri="{FF2B5EF4-FFF2-40B4-BE49-F238E27FC236}">
+                <a16:creationId xmlns:a16="http://schemas.microsoft.com/office/drawing/2014/main" id="{0D94E4D5-58D4-48AC-BD80-9A4C68B512E3}"/>
+              </a:ext>
+            </a:extLst>
+          </p:cNvPr>
+          <p:cNvSpPr txBox="1"/>
+          <p:nvPr/>
+        </p:nvSpPr>
+        <p:spPr>
+          <a:xfrm>
+            <a:off x="7599906" y="1443625"/>
+            <a:ext cx="2743199" cy="369332"/>
+          </a:xfrm>
+          <a:prstGeom prst="rect">
+            <a:avLst/>
+          </a:prstGeom>
+          <a:noFill/>
+        </p:spPr>
+        <p:txBody>
+          <a:bodyPr rot="0" spcFirstLastPara="0" vertOverflow="overflow" horzOverflow="overflow" vert="horz" wrap="square" lIns="91440" tIns="45720" rIns="91440" bIns="45720" numCol="1" spcCol="0" rtlCol="0" fromWordArt="0" anchor="t" anchorCtr="0" forceAA="0" compatLnSpc="1">
+            <a:prstTxWarp prst="textNoShape">
+              <a:avLst/>
+            </a:prstTxWarp>
+            <a:spAutoFit/>
+          </a:bodyPr>
+          <a:lstStyle/>
+          <a:p>
+            <a:r>
+              <a:rPr lang="en-US">
+                <a:solidFill>
+                  <a:schemeClr val="bg1"/>
+                </a:solidFill>
+                <a:cs typeface="Calibri"/>
+              </a:rPr>
+              <a:t>Chicken Curry</a:t>
+            </a:r>
+          </a:p>
+        </p:txBody>
+      </p:sp>
+      <p:pic>
+        <p:nvPicPr>
+          <p:cNvPr id="11" name="Picture 11" descr="A bunch of different types of food on a plate&#10;&#10;Description generated with very high confidence">
+            <a:extLst>
+              <a:ext uri="{FF2B5EF4-FFF2-40B4-BE49-F238E27FC236}">
+                <a16:creationId xmlns:a16="http://schemas.microsoft.com/office/drawing/2014/main" id="{A90F32F9-0AB1-48FE-B348-BD8C9712F05D}"/>
+              </a:ext>
+            </a:extLst>
+          </p:cNvPr>
+          <p:cNvPicPr>
+            <a:picLocks noChangeAspect="1"/>
+          </p:cNvPicPr>
+          <p:nvPr/>
+        </p:nvPicPr>
+        <p:blipFill>
+          <a:blip r:embed="rId4"/>
+          <a:stretch>
+            <a:fillRect/>
+          </a:stretch>
+        </p:blipFill>
+        <p:spPr>
+          <a:xfrm>
+            <a:off x="719334" y="4592267"/>
+            <a:ext cx="4432386" cy="2185445"/>
+          </a:xfrm>
+          <a:prstGeom prst="rect">
+            <a:avLst/>
+          </a:prstGeom>
+        </p:spPr>
+      </p:pic>
+      <p:sp>
+        <p:nvSpPr>
+          <p:cNvPr id="13" name="TextBox 12">
+            <a:extLst>
+              <a:ext uri="{FF2B5EF4-FFF2-40B4-BE49-F238E27FC236}">
+                <a16:creationId xmlns:a16="http://schemas.microsoft.com/office/drawing/2014/main" id="{2D4CEB18-962D-43A8-9B18-8E9198BE957D}"/>
+              </a:ext>
+            </a:extLst>
+          </p:cNvPr>
+          <p:cNvSpPr txBox="1"/>
+          <p:nvPr/>
+        </p:nvSpPr>
+        <p:spPr>
+          <a:xfrm>
+            <a:off x="2471150" y="4232753"/>
+            <a:ext cx="2743199" cy="369332"/>
+          </a:xfrm>
+          <a:prstGeom prst="rect">
+            <a:avLst/>
+          </a:prstGeom>
+          <a:noFill/>
+        </p:spPr>
+        <p:txBody>
+          <a:bodyPr rot="0" spcFirstLastPara="0" vertOverflow="overflow" horzOverflow="overflow" vert="horz" wrap="square" lIns="91440" tIns="45720" rIns="91440" bIns="45720" numCol="1" spcCol="0" rtlCol="0" fromWordArt="0" anchor="t" anchorCtr="0" forceAA="0" compatLnSpc="1">
+            <a:prstTxWarp prst="textNoShape">
+              <a:avLst/>
+            </a:prstTxWarp>
+            <a:spAutoFit/>
+          </a:bodyPr>
+          <a:lstStyle/>
+          <a:p>
+            <a:r>
+              <a:rPr lang="en-US">
+                <a:solidFill>
+                  <a:schemeClr val="bg1"/>
+                </a:solidFill>
+                <a:cs typeface="Calibri"/>
+              </a:rPr>
+              <a:t>Apple Pie</a:t>
+            </a:r>
+          </a:p>
+        </p:txBody>
+      </p:sp>
+      <p:sp>
+        <p:nvSpPr>
+          <p:cNvPr id="16" name="TextBox 15">
+            <a:extLst>
+              <a:ext uri="{FF2B5EF4-FFF2-40B4-BE49-F238E27FC236}">
+                <a16:creationId xmlns:a16="http://schemas.microsoft.com/office/drawing/2014/main" id="{3F6BD8A9-D3F0-420F-B601-BEA97CC69EDC}"/>
+              </a:ext>
+            </a:extLst>
+          </p:cNvPr>
+          <p:cNvSpPr txBox="1"/>
+          <p:nvPr/>
+        </p:nvSpPr>
+        <p:spPr>
+          <a:xfrm>
+            <a:off x="7703637" y="4236014"/>
+            <a:ext cx="2743199" cy="369332"/>
+          </a:xfrm>
+          <a:prstGeom prst="rect">
+            <a:avLst/>
+          </a:prstGeom>
+          <a:noFill/>
+        </p:spPr>
+        <p:txBody>
+          <a:bodyPr rot="0" spcFirstLastPara="0" vertOverflow="overflow" horzOverflow="overflow" vert="horz" wrap="square" lIns="91440" tIns="45720" rIns="91440" bIns="45720" numCol="1" spcCol="0" rtlCol="0" fromWordArt="0" anchor="t" anchorCtr="0" forceAA="0" compatLnSpc="1">
+            <a:prstTxWarp prst="textNoShape">
+              <a:avLst/>
+            </a:prstTxWarp>
+            <a:spAutoFit/>
+          </a:bodyPr>
+          <a:lstStyle/>
+          <a:p>
+            <a:r>
+              <a:rPr lang="en-US">
+                <a:solidFill>
+                  <a:schemeClr val="bg1"/>
+                </a:solidFill>
+                <a:cs typeface="Calibri"/>
+              </a:rPr>
+              <a:t>Cheesecake</a:t>
+            </a:r>
+          </a:p>
+        </p:txBody>
+      </p:sp>
+      <p:pic>
+        <p:nvPicPr>
+          <p:cNvPr id="4" name="Picture 7" descr="A slice of cake on a plate&#10;&#10;Description generated with high confidence">
+            <a:extLst>
+              <a:ext uri="{FF2B5EF4-FFF2-40B4-BE49-F238E27FC236}">
+                <a16:creationId xmlns:a16="http://schemas.microsoft.com/office/drawing/2014/main" id="{B505010A-ECBD-47A7-A0F0-FD2217A6BAD8}"/>
+              </a:ext>
+            </a:extLst>
+          </p:cNvPr>
+          <p:cNvPicPr>
+            <a:picLocks noChangeAspect="1"/>
+          </p:cNvPicPr>
+          <p:nvPr/>
+        </p:nvPicPr>
+        <p:blipFill>
+          <a:blip r:embed="rId5"/>
+          <a:stretch>
+            <a:fillRect/>
+          </a:stretch>
+        </p:blipFill>
+        <p:spPr>
+          <a:xfrm>
+            <a:off x="6047201" y="4587941"/>
+            <a:ext cx="4410075" cy="2138643"/>
+          </a:xfrm>
+          <a:prstGeom prst="rect">
+            <a:avLst/>
+          </a:prstGeom>
+        </p:spPr>
+      </p:pic>
+      <p:pic>
+        <p:nvPicPr>
+          <p:cNvPr id="12" name="Picture 14" descr="A dish is filled with food&#10;&#10;Description generated with very high confidence">
+            <a:extLst>
+              <a:ext uri="{FF2B5EF4-FFF2-40B4-BE49-F238E27FC236}">
+                <a16:creationId xmlns:a16="http://schemas.microsoft.com/office/drawing/2014/main" id="{0BE499FD-5B8F-4E2A-A82E-CF1369EA6ED1}"/>
+              </a:ext>
+            </a:extLst>
+          </p:cNvPr>
+          <p:cNvPicPr>
+            <a:picLocks noChangeAspect="1"/>
+          </p:cNvPicPr>
+          <p:nvPr/>
+        </p:nvPicPr>
+        <p:blipFill>
+          <a:blip r:embed="rId6"/>
+          <a:stretch>
+            <a:fillRect/>
+          </a:stretch>
+        </p:blipFill>
+        <p:spPr>
+          <a:xfrm>
+            <a:off x="6052159" y="1862616"/>
+            <a:ext cx="4410075" cy="2255424"/>
+          </a:xfrm>
+          <a:prstGeom prst="rect">
+            <a:avLst/>
+          </a:prstGeom>
+        </p:spPr>
+      </p:pic>
+      <p:sp>
+        <p:nvSpPr>
+          <p:cNvPr id="7" name="Slide Number Placeholder 6">
+            <a:extLst>
+              <a:ext uri="{FF2B5EF4-FFF2-40B4-BE49-F238E27FC236}">
+                <a16:creationId xmlns:a16="http://schemas.microsoft.com/office/drawing/2014/main" id="{E169CE1A-8355-418A-9F2C-2D27BEFEFCA5}"/>
+              </a:ext>
+            </a:extLst>
+          </p:cNvPr>
+          <p:cNvSpPr>
+            <a:spLocks noGrp="1"/>
+          </p:cNvSpPr>
+          <p:nvPr>
+            <p:ph type="sldNum" sz="quarter" idx="12"/>
+          </p:nvPr>
+        </p:nvSpPr>
+        <p:spPr/>
+        <p:txBody>
+          <a:bodyPr/>
+          <a:lstStyle/>
+          <a:p>
+            <a:fld id="{48F63A3B-78C7-47BE-AE5E-E10140E04643}" type="slidenum">
+              <a:rPr lang="en-US" b="1" dirty="0">
+                <a:solidFill>
+                  <a:schemeClr val="bg1"/>
+                </a:solidFill>
+              </a:rPr>
+              <a:t>3</a:t>
+            </a:fld>
+            <a:endParaRPr lang="en-US" b="1">
+              <a:solidFill>
+                <a:schemeClr val="bg1"/>
+              </a:solidFill>
+              <a:cs typeface="Calibri"/>
+            </a:endParaRPr>
+          </a:p>
+        </p:txBody>
+      </p:sp>
+    </p:spTree>
+    <p:extLst>
+      <p:ext uri="{BB962C8B-B14F-4D97-AF65-F5344CB8AC3E}">
+        <p14:creationId xmlns:p14="http://schemas.microsoft.com/office/powerpoint/2010/main" val="646342991"/>
+      </p:ext>
+    </p:extLst>
+  </p:cSld>
+  <p:clrMapOvr>
+    <a:overrideClrMapping bg1="dk1" tx1="lt1" bg2="dk2" tx2="lt2" accent1="accent1" accent2="accent2" accent3="accent3" accent4="accent4" accent5="accent5" accent6="accent6" hlink="hlink" folHlink="folHlink"/>
+  </p:clrMapOvr>
+</p:sld>
+</file>
+
+<file path=ppt/slides/slide4.xml><?xml version="1.0" encoding="utf-8"?>
+<p:sld xmlns:a="http://schemas.openxmlformats.org/drawingml/2006/main" xmlns:r="http://schemas.openxmlformats.org/officeDocument/2006/relationships" xmlns:p="http://schemas.openxmlformats.org/presentationml/2006/main">
+  <p:cSld>
+    <p:bg>
+      <p:bgPr>
+        <a:solidFill>
+          <a:schemeClr val="bg1"/>
+        </a:solidFill>
+        <a:effectLst/>
+      </p:bgPr>
+    </p:bg>
+    <p:spTree>
+      <p:nvGrpSpPr>
+        <p:cNvPr id="1" name=""/>
+        <p:cNvGrpSpPr/>
+        <p:nvPr/>
+      </p:nvGrpSpPr>
+      <p:grpSpPr>
+        <a:xfrm>
+          <a:off x="0" y="0"/>
+          <a:ext cx="0" cy="0"/>
+          <a:chOff x="0" y="0"/>
+          <a:chExt cx="0" cy="0"/>
+        </a:xfrm>
+      </p:grpSpPr>
+      <p:pic>
+        <p:nvPicPr>
           <p:cNvPr id="6" name="Picture 6" descr="A close up of a flower&#10;&#10;Description generated with high confidence">
             <a:extLst>
               <a:ext uri="{FF2B5EF4-FFF2-40B4-BE49-F238E27FC236}">
@@ -4633,16 +5788,15 @@
           </p:cNvPicPr>
           <p:nvPr/>
         </p:nvPicPr>
-        <p:blipFill>
+        <p:blipFill rotWithShape="1">
           <a:blip r:embed="rId2"/>
-          <a:stretch>
-            <a:fillRect/>
-          </a:stretch>
+          <a:srcRect t="59" r="28806" b="24"/>
+          <a:stretch/>
         </p:blipFill>
         <p:spPr>
           <a:xfrm>
-            <a:off x="-1435" y="-5053"/>
-            <a:ext cx="12208048" cy="6875673"/>
+            <a:off x="-1435" y="-1011"/>
+            <a:ext cx="12206172" cy="6860435"/>
           </a:xfrm>
           <a:prstGeom prst="rect">
             <a:avLst/>
@@ -4667,13 +5821,13 @@
         </p:nvSpPr>
         <p:spPr>
           <a:xfrm>
-            <a:off x="209485" y="1623208"/>
-            <a:ext cx="9517106" cy="5034876"/>
+            <a:off x="142810" y="1118383"/>
+            <a:ext cx="6812006" cy="5644476"/>
           </a:xfrm>
         </p:spPr>
         <p:txBody>
           <a:bodyPr anchor="ctr">
-            <a:normAutofit fontScale="92500"/>
+            <a:normAutofit fontScale="92500" lnSpcReduction="10000"/>
           </a:bodyPr>
           <a:lstStyle/>
           <a:p>
@@ -4691,15 +5845,11 @@
             </a:r>
             <a:r>
               <a:rPr lang="en-US" sz="2400" b="1"/>
-              <a:t> 41 million metric </a:t>
-            </a:r>
-            <a:r>
-              <a:rPr lang="en-US" sz="2400" b="1" err="1"/>
-              <a:t>tonnes</a:t>
+              <a:t> 41 million metric tons of</a:t>
             </a:r>
             <a:r>
               <a:rPr lang="en-US" sz="2400"/>
-              <a:t> of food per year [1]. </a:t>
+              <a:t> food per year [1]. </a:t>
             </a:r>
             <a:endParaRPr lang="en-US" sz="2400">
               <a:cs typeface="Calibri"/>
@@ -4731,7 +5881,7 @@
           <a:p>
             <a:r>
               <a:rPr lang="en-US" sz="2400"/>
-              <a:t>But what makes a user to like and use an app regularly  ?</a:t>
+              <a:t>But what makes a user to like and use an app regularly?</a:t>
             </a:r>
             <a:endParaRPr lang="en-US" sz="2400">
               <a:cs typeface="Calibri"/>
@@ -4741,7 +5891,7 @@
             <a:pPr lvl="1"/>
             <a:r>
               <a:rPr lang="en-US"/>
-              <a:t>An should be </a:t>
+              <a:t>It should be </a:t>
             </a:r>
             <a:r>
               <a:rPr lang="en-US" b="1"/>
@@ -4779,7 +5929,7 @@
                 <a:ea typeface="+mn-lt"/>
                 <a:cs typeface="+mn-lt"/>
               </a:rPr>
-              <a:t> Make this app</a:t>
+              <a:t> make this app</a:t>
             </a:r>
             <a:r>
               <a:rPr lang="en-US" sz="2400" b="1">
@@ -4793,37 +5943,11 @@
                 <a:ea typeface="+mn-lt"/>
                 <a:cs typeface="+mn-lt"/>
               </a:rPr>
-              <a:t> we are creating a </a:t>
-            </a:r>
-            <a:r>
-              <a:rPr lang="en-US" sz="2400" b="1">
-                <a:ea typeface="+mn-lt"/>
-                <a:cs typeface="+mn-lt"/>
-              </a:rPr>
-              <a:t>neural network</a:t>
-            </a:r>
-            <a:r>
-              <a:rPr lang="en-US" sz="2400">
-                <a:ea typeface="+mn-lt"/>
-                <a:cs typeface="+mn-lt"/>
-              </a:rPr>
-              <a:t> that can </a:t>
-            </a:r>
-            <a:r>
-              <a:rPr lang="en-US" sz="2400" b="1">
-                <a:ea typeface="+mn-lt"/>
-                <a:cs typeface="+mn-lt"/>
-              </a:rPr>
-              <a:t>Identify food type</a:t>
-            </a:r>
-            <a:r>
-              <a:rPr lang="en-US" sz="2400">
-                <a:ea typeface="+mn-lt"/>
-                <a:cs typeface="+mn-lt"/>
-              </a:rPr>
-              <a:t>.  And the user will not have to fill  the form for that.</a:t>
-            </a:r>
-            <a:endParaRPr lang="en-US" sz="2400"/>
+              <a:t> we propose the use of a Neural Network (NN) to automatically classify pictures of donated food that can reduce  human effort.</a:t>
+            </a:r>
+            <a:endParaRPr lang="en-US" sz="2400" b="1">
+              <a:cs typeface="Calibri"/>
+            </a:endParaRPr>
           </a:p>
           <a:p>
             <a:pPr lvl="1"/>
@@ -4831,6 +5955,36 @@
           </a:p>
         </p:txBody>
       </p:sp>
+      <p:pic>
+        <p:nvPicPr>
+          <p:cNvPr id="7" name="Picture 13" descr="A close up of food on a counter&#10;&#10;Description generated with high confidence">
+            <a:extLst>
+              <a:ext uri="{FF2B5EF4-FFF2-40B4-BE49-F238E27FC236}">
+                <a16:creationId xmlns:a16="http://schemas.microsoft.com/office/drawing/2014/main" id="{8BD7FE71-BE0F-4019-83D7-7A5E434656F2}"/>
+              </a:ext>
+            </a:extLst>
+          </p:cNvPr>
+          <p:cNvPicPr>
+            <a:picLocks noChangeAspect="1"/>
+          </p:cNvPicPr>
+          <p:nvPr/>
+        </p:nvPicPr>
+        <p:blipFill>
+          <a:blip r:embed="rId3"/>
+          <a:stretch>
+            <a:fillRect/>
+          </a:stretch>
+        </p:blipFill>
+        <p:spPr>
+          <a:xfrm>
+            <a:off x="7124700" y="606599"/>
+            <a:ext cx="4352925" cy="5721002"/>
+          </a:xfrm>
+          <a:prstGeom prst="rect">
+            <a:avLst/>
+          </a:prstGeom>
+        </p:spPr>
+      </p:pic>
       <p:sp>
         <p:nvSpPr>
           <p:cNvPr id="4" name="Title 1">
@@ -4847,7 +6001,7 @@
         </p:nvSpPr>
         <p:spPr>
           <a:xfrm>
-            <a:off x="2079451" y="664575"/>
+            <a:off x="145876" y="359775"/>
             <a:ext cx="6254496" cy="1828800"/>
           </a:xfrm>
           <a:prstGeom prst="rect">
@@ -4885,173 +6039,48 @@
           </a:p>
         </p:txBody>
       </p:sp>
+      <p:sp>
+        <p:nvSpPr>
+          <p:cNvPr id="2" name="Slide Number Placeholder 1">
+            <a:extLst>
+              <a:ext uri="{FF2B5EF4-FFF2-40B4-BE49-F238E27FC236}">
+                <a16:creationId xmlns:a16="http://schemas.microsoft.com/office/drawing/2014/main" id="{6CDCFF28-7723-4FD1-BA28-1C009BF3C1B7}"/>
+              </a:ext>
+            </a:extLst>
+          </p:cNvPr>
+          <p:cNvSpPr>
+            <a:spLocks noGrp="1"/>
+          </p:cNvSpPr>
+          <p:nvPr>
+            <p:ph type="sldNum" sz="quarter" idx="12"/>
+          </p:nvPr>
+        </p:nvSpPr>
+        <p:spPr/>
+        <p:txBody>
+          <a:bodyPr/>
+          <a:lstStyle/>
+          <a:p>
+            <a:fld id="{48F63A3B-78C7-47BE-AE5E-E10140E04643}" type="slidenum">
+              <a:rPr lang="en-US" b="1" dirty="0">
+                <a:solidFill>
+                  <a:schemeClr val="tx1"/>
+                </a:solidFill>
+              </a:rPr>
+              <a:t>4</a:t>
+            </a:fld>
+            <a:endParaRPr lang="en-US" b="1">
+              <a:solidFill>
+                <a:schemeClr val="tx1"/>
+              </a:solidFill>
+              <a:cs typeface="Calibri"/>
+            </a:endParaRPr>
+          </a:p>
+        </p:txBody>
+      </p:sp>
     </p:spTree>
     <p:extLst>
       <p:ext uri="{BB962C8B-B14F-4D97-AF65-F5344CB8AC3E}">
         <p14:creationId xmlns:p14="http://schemas.microsoft.com/office/powerpoint/2010/main" val="938460552"/>
-      </p:ext>
-    </p:extLst>
-  </p:cSld>
-  <p:clrMapOvr>
-    <a:masterClrMapping/>
-  </p:clrMapOvr>
-</p:sld>
-</file>
-
-<file path=ppt/slides/slide4.xml><?xml version="1.0" encoding="utf-8"?>
-<p:sld xmlns:a="http://schemas.openxmlformats.org/drawingml/2006/main" xmlns:r="http://schemas.openxmlformats.org/officeDocument/2006/relationships" xmlns:p="http://schemas.openxmlformats.org/presentationml/2006/main">
-  <p:cSld>
-    <p:spTree>
-      <p:nvGrpSpPr>
-        <p:cNvPr id="1" name=""/>
-        <p:cNvGrpSpPr/>
-        <p:nvPr/>
-      </p:nvGrpSpPr>
-      <p:grpSpPr>
-        <a:xfrm>
-          <a:off x="0" y="0"/>
-          <a:ext cx="0" cy="0"/>
-          <a:chOff x="0" y="0"/>
-          <a:chExt cx="0" cy="0"/>
-        </a:xfrm>
-      </p:grpSpPr>
-      <p:pic>
-        <p:nvPicPr>
-          <p:cNvPr id="4" name="Picture 4" descr="A close up of a flower&#10;&#10;Description generated with high confidence">
-            <a:extLst>
-              <a:ext uri="{FF2B5EF4-FFF2-40B4-BE49-F238E27FC236}">
-                <a16:creationId xmlns:a16="http://schemas.microsoft.com/office/drawing/2014/main" id="{87A1507E-1B93-4A8B-B271-3F14768F0A12}"/>
-              </a:ext>
-            </a:extLst>
-          </p:cNvPr>
-          <p:cNvPicPr>
-            <a:picLocks noChangeAspect="1"/>
-          </p:cNvPicPr>
-          <p:nvPr/>
-        </p:nvPicPr>
-        <p:blipFill>
-          <a:blip r:embed="rId2"/>
-          <a:stretch>
-            <a:fillRect/>
-          </a:stretch>
-        </p:blipFill>
-        <p:spPr>
-          <a:xfrm>
-            <a:off x="0" y="6429"/>
-            <a:ext cx="12192000" cy="6816566"/>
-          </a:xfrm>
-          <a:prstGeom prst="rect">
-            <a:avLst/>
-          </a:prstGeom>
-        </p:spPr>
-      </p:pic>
-      <p:sp>
-        <p:nvSpPr>
-          <p:cNvPr id="2" name="Title 1">
-            <a:extLst>
-              <a:ext uri="{FF2B5EF4-FFF2-40B4-BE49-F238E27FC236}">
-                <a16:creationId xmlns:a16="http://schemas.microsoft.com/office/drawing/2014/main" id="{31DB63ED-FBBF-3240-8AD2-E78C1422969E}"/>
-              </a:ext>
-            </a:extLst>
-          </p:cNvPr>
-          <p:cNvSpPr>
-            <a:spLocks noGrp="1"/>
-          </p:cNvSpPr>
-          <p:nvPr>
-            <p:ph type="title"/>
-          </p:nvPr>
-        </p:nvSpPr>
-        <p:spPr>
-          <a:xfrm>
-            <a:off x="838200" y="69850"/>
-            <a:ext cx="10515600" cy="1325563"/>
-          </a:xfrm>
-        </p:spPr>
-        <p:txBody>
-          <a:bodyPr/>
-          <a:lstStyle/>
-          <a:p>
-            <a:r>
-              <a:rPr lang="en-US">
-                <a:ea typeface="+mj-lt"/>
-                <a:cs typeface="+mj-lt"/>
-              </a:rPr>
-              <a:t>Aims</a:t>
-            </a:r>
-          </a:p>
-        </p:txBody>
-      </p:sp>
-      <p:sp>
-        <p:nvSpPr>
-          <p:cNvPr id="13" name="Content Placeholder 12">
-            <a:extLst>
-              <a:ext uri="{FF2B5EF4-FFF2-40B4-BE49-F238E27FC236}">
-                <a16:creationId xmlns:a16="http://schemas.microsoft.com/office/drawing/2014/main" id="{5DEAD952-A4F6-4FA5-9B59-194A0FEE0F1E}"/>
-              </a:ext>
-            </a:extLst>
-          </p:cNvPr>
-          <p:cNvSpPr>
-            <a:spLocks noGrp="1"/>
-          </p:cNvSpPr>
-          <p:nvPr>
-            <p:ph idx="1"/>
-          </p:nvPr>
-        </p:nvSpPr>
-        <p:spPr>
-          <a:xfrm>
-            <a:off x="1430836" y="1717841"/>
-            <a:ext cx="8667750" cy="4351338"/>
-          </a:xfrm>
-        </p:spPr>
-        <p:txBody>
-          <a:bodyPr vert="horz" lIns="91440" tIns="45720" rIns="91440" bIns="45720" rtlCol="0" anchor="t">
-            <a:normAutofit fontScale="92500"/>
-          </a:bodyPr>
-          <a:lstStyle/>
-          <a:p>
-            <a:r>
-              <a:rPr lang="en-US" sz="2400"/>
-              <a:t>This app requires manual input of information about the donated food, which makes the donation process tedious. In order to reduce the amount of work required to donate food, we propose the use of a Neural Network (NN) to automatically classify pictures of donated food. </a:t>
-            </a:r>
-          </a:p>
-          <a:p>
-            <a:endParaRPr lang="en-US" sz="2400"/>
-          </a:p>
-          <a:p>
-            <a:r>
-              <a:rPr lang="en-US" sz="2400"/>
-              <a:t>This reduces the work required to donate food on the app, by automatically classifying images of donated food, and recommending potential labels to the donor.</a:t>
-            </a:r>
-          </a:p>
-          <a:p>
-            <a:endParaRPr lang="en-US" sz="2400"/>
-          </a:p>
-          <a:p>
-            <a:r>
-              <a:rPr lang="en-US" sz="2400"/>
-              <a:t>Predicting the correct food type 100% of the time is of course ideal, but we are looking for reasonable result to predict most of our food with in top 10 prediction.</a:t>
-            </a:r>
-          </a:p>
-          <a:p>
-            <a:endParaRPr lang="en-US" sz="2400"/>
-          </a:p>
-          <a:p>
-            <a:pPr marL="0" indent="0">
-              <a:buNone/>
-            </a:pPr>
-            <a:endParaRPr lang="en-US" sz="2400"/>
-          </a:p>
-          <a:p>
-            <a:endParaRPr lang="en-US">
-              <a:cs typeface="Calibri"/>
-            </a:endParaRPr>
-          </a:p>
-        </p:txBody>
-      </p:sp>
-    </p:spTree>
-    <p:extLst>
-      <p:ext uri="{BB962C8B-B14F-4D97-AF65-F5344CB8AC3E}">
-        <p14:creationId xmlns:p14="http://schemas.microsoft.com/office/powerpoint/2010/main" val="1906927568"/>
       </p:ext>
     </p:extLst>
   </p:cSld>
@@ -5080,10 +6109,10 @@
       </p:grpSpPr>
       <p:pic>
         <p:nvPicPr>
-          <p:cNvPr id="4" name="Picture 4" descr="A close up of a flower&#10;&#10;Description generated with high confidence">
+          <p:cNvPr id="17" name="Picture 4" descr="A close up of a flower&#10;&#10;Description generated with high confidence">
             <a:extLst>
               <a:ext uri="{FF2B5EF4-FFF2-40B4-BE49-F238E27FC236}">
-                <a16:creationId xmlns:a16="http://schemas.microsoft.com/office/drawing/2014/main" id="{87A1507E-1B93-4A8B-B271-3F14768F0A12}"/>
+                <a16:creationId xmlns:a16="http://schemas.microsoft.com/office/drawing/2014/main" id="{75BC11D1-56E4-401D-847F-C446D9936F32}"/>
               </a:ext>
             </a:extLst>
           </p:cNvPr>
@@ -5101,7 +6130,7 @@
         <p:spPr>
           <a:xfrm>
             <a:off x="0" y="6429"/>
-            <a:ext cx="12192000" cy="6816566"/>
+            <a:ext cx="12192000" cy="6864191"/>
           </a:xfrm>
           <a:prstGeom prst="rect">
             <a:avLst/>
@@ -5126,7 +6155,7 @@
         </p:nvSpPr>
         <p:spPr>
           <a:xfrm>
-            <a:off x="838200" y="69850"/>
+            <a:off x="409575" y="127000"/>
             <a:ext cx="10515600" cy="1325563"/>
           </a:xfrm>
         </p:spPr>
@@ -5139,17 +6168,17 @@
                 <a:ea typeface="+mj-lt"/>
                 <a:cs typeface="+mj-lt"/>
               </a:rPr>
-              <a:t>Aims Achieved</a:t>
-            </a:r>
-          </a:p>
-        </p:txBody>
-      </p:sp>
-      <p:sp>
-        <p:nvSpPr>
-          <p:cNvPr id="13" name="Content Placeholder 12">
+              <a:t>Methods</a:t>
+            </a:r>
+          </a:p>
+        </p:txBody>
+      </p:sp>
+      <p:sp>
+        <p:nvSpPr>
+          <p:cNvPr id="3" name="Slide Number Placeholder 2">
             <a:extLst>
               <a:ext uri="{FF2B5EF4-FFF2-40B4-BE49-F238E27FC236}">
-                <a16:creationId xmlns:a16="http://schemas.microsoft.com/office/drawing/2014/main" id="{5DEAD952-A4F6-4FA5-9B59-194A0FEE0F1E}"/>
+                <a16:creationId xmlns:a16="http://schemas.microsoft.com/office/drawing/2014/main" id="{2FCDB728-F343-4F13-A263-A36E49A0DBFB}"/>
               </a:ext>
             </a:extLst>
           </p:cNvPr>
@@ -5157,72 +6186,402 @@
             <a:spLocks noGrp="1"/>
           </p:cNvSpPr>
           <p:nvPr>
-            <p:ph idx="1"/>
-          </p:nvPr>
-        </p:nvSpPr>
-        <p:spPr>
-          <a:xfrm>
-            <a:off x="637521" y="1634334"/>
-            <a:ext cx="8667750" cy="4351338"/>
-          </a:xfrm>
+            <p:ph type="sldNum" sz="quarter" idx="12"/>
+          </p:nvPr>
+        </p:nvSpPr>
+        <p:spPr/>
+        <p:txBody>
+          <a:bodyPr/>
+          <a:lstStyle/>
+          <a:p>
+            <a:fld id="{48F63A3B-78C7-47BE-AE5E-E10140E04643}" type="slidenum">
+              <a:rPr lang="en-US" b="1" dirty="0">
+                <a:solidFill>
+                  <a:schemeClr val="tx1"/>
+                </a:solidFill>
+              </a:rPr>
+              <a:t>5</a:t>
+            </a:fld>
+            <a:endParaRPr lang="en-US" b="1">
+              <a:solidFill>
+                <a:schemeClr val="tx1"/>
+              </a:solidFill>
+              <a:cs typeface="Calibri"/>
+            </a:endParaRPr>
+          </a:p>
+        </p:txBody>
+      </p:sp>
+      <p:sp>
+        <p:nvSpPr>
+          <p:cNvPr id="11" name="Content Placeholder 12">
+            <a:extLst>
+              <a:ext uri="{FF2B5EF4-FFF2-40B4-BE49-F238E27FC236}">
+                <a16:creationId xmlns:a16="http://schemas.microsoft.com/office/drawing/2014/main" id="{420E754B-4898-463D-83B6-C9C7FA83D271}"/>
+              </a:ext>
+            </a:extLst>
+          </p:cNvPr>
+          <p:cNvSpPr txBox="1">
+            <a:spLocks/>
+          </p:cNvSpPr>
+          <p:nvPr/>
+        </p:nvSpPr>
+        <p:spPr>
+          <a:xfrm>
+            <a:off x="411661" y="822491"/>
+            <a:ext cx="5524500" cy="5218113"/>
+          </a:xfrm>
+          <a:prstGeom prst="rect">
+            <a:avLst/>
+          </a:prstGeom>
         </p:spPr>
         <p:txBody>
           <a:bodyPr vert="horz" lIns="91440" tIns="45720" rIns="91440" bIns="45720" rtlCol="0" anchor="t">
             <a:normAutofit/>
           </a:bodyPr>
-          <a:lstStyle/>
+          <a:lstStyle>
+            <a:lvl1pPr marL="228600" indent="-228600" algn="l" defTabSz="914400" rtl="0" eaLnBrk="1" latinLnBrk="0" hangingPunct="1">
+              <a:lnSpc>
+                <a:spcPct val="90000"/>
+              </a:lnSpc>
+              <a:spcBef>
+                <a:spcPts val="1000"/>
+              </a:spcBef>
+              <a:buFont typeface="Arial" panose="020B0604020202020204" pitchFamily="34" charset="0"/>
+              <a:buChar char="•"/>
+              <a:defRPr sz="2800" kern="1200">
+                <a:solidFill>
+                  <a:schemeClr val="tx1"/>
+                </a:solidFill>
+                <a:latin typeface="+mn-lt"/>
+                <a:ea typeface="+mn-ea"/>
+                <a:cs typeface="+mn-cs"/>
+              </a:defRPr>
+            </a:lvl1pPr>
+            <a:lvl2pPr marL="685800" indent="-228600" algn="l" defTabSz="914400" rtl="0" eaLnBrk="1" latinLnBrk="0" hangingPunct="1">
+              <a:lnSpc>
+                <a:spcPct val="90000"/>
+              </a:lnSpc>
+              <a:spcBef>
+                <a:spcPts val="500"/>
+              </a:spcBef>
+              <a:buFont typeface="Arial" panose="020B0604020202020204" pitchFamily="34" charset="0"/>
+              <a:buChar char="•"/>
+              <a:defRPr sz="2400" kern="1200">
+                <a:solidFill>
+                  <a:schemeClr val="tx1"/>
+                </a:solidFill>
+                <a:latin typeface="+mn-lt"/>
+                <a:ea typeface="+mn-ea"/>
+                <a:cs typeface="+mn-cs"/>
+              </a:defRPr>
+            </a:lvl2pPr>
+            <a:lvl3pPr marL="1143000" indent="-228600" algn="l" defTabSz="914400" rtl="0" eaLnBrk="1" latinLnBrk="0" hangingPunct="1">
+              <a:lnSpc>
+                <a:spcPct val="90000"/>
+              </a:lnSpc>
+              <a:spcBef>
+                <a:spcPts val="500"/>
+              </a:spcBef>
+              <a:buFont typeface="Arial" panose="020B0604020202020204" pitchFamily="34" charset="0"/>
+              <a:buChar char="•"/>
+              <a:defRPr sz="2000" kern="1200">
+                <a:solidFill>
+                  <a:schemeClr val="tx1"/>
+                </a:solidFill>
+                <a:latin typeface="+mn-lt"/>
+                <a:ea typeface="+mn-ea"/>
+                <a:cs typeface="+mn-cs"/>
+              </a:defRPr>
+            </a:lvl3pPr>
+            <a:lvl4pPr marL="1600200" indent="-228600" algn="l" defTabSz="914400" rtl="0" eaLnBrk="1" latinLnBrk="0" hangingPunct="1">
+              <a:lnSpc>
+                <a:spcPct val="90000"/>
+              </a:lnSpc>
+              <a:spcBef>
+                <a:spcPts val="500"/>
+              </a:spcBef>
+              <a:buFont typeface="Arial" panose="020B0604020202020204" pitchFamily="34" charset="0"/>
+              <a:buChar char="•"/>
+              <a:defRPr sz="1800" kern="1200">
+                <a:solidFill>
+                  <a:schemeClr val="tx1"/>
+                </a:solidFill>
+                <a:latin typeface="+mn-lt"/>
+                <a:ea typeface="+mn-ea"/>
+                <a:cs typeface="+mn-cs"/>
+              </a:defRPr>
+            </a:lvl4pPr>
+            <a:lvl5pPr marL="2057400" indent="-228600" algn="l" defTabSz="914400" rtl="0" eaLnBrk="1" latinLnBrk="0" hangingPunct="1">
+              <a:lnSpc>
+                <a:spcPct val="90000"/>
+              </a:lnSpc>
+              <a:spcBef>
+                <a:spcPts val="500"/>
+              </a:spcBef>
+              <a:buFont typeface="Arial" panose="020B0604020202020204" pitchFamily="34" charset="0"/>
+              <a:buChar char="•"/>
+              <a:defRPr sz="1800" kern="1200">
+                <a:solidFill>
+                  <a:schemeClr val="tx1"/>
+                </a:solidFill>
+                <a:latin typeface="+mn-lt"/>
+                <a:ea typeface="+mn-ea"/>
+                <a:cs typeface="+mn-cs"/>
+              </a:defRPr>
+            </a:lvl5pPr>
+            <a:lvl6pPr marL="2514600" indent="-228600" algn="l" defTabSz="914400" rtl="0" eaLnBrk="1" latinLnBrk="0" hangingPunct="1">
+              <a:lnSpc>
+                <a:spcPct val="90000"/>
+              </a:lnSpc>
+              <a:spcBef>
+                <a:spcPts val="500"/>
+              </a:spcBef>
+              <a:buFont typeface="Arial" panose="020B0604020202020204" pitchFamily="34" charset="0"/>
+              <a:buChar char="•"/>
+              <a:defRPr sz="1800" kern="1200">
+                <a:solidFill>
+                  <a:schemeClr val="tx1"/>
+                </a:solidFill>
+                <a:latin typeface="+mn-lt"/>
+                <a:ea typeface="+mn-ea"/>
+                <a:cs typeface="+mn-cs"/>
+              </a:defRPr>
+            </a:lvl6pPr>
+            <a:lvl7pPr marL="2971800" indent="-228600" algn="l" defTabSz="914400" rtl="0" eaLnBrk="1" latinLnBrk="0" hangingPunct="1">
+              <a:lnSpc>
+                <a:spcPct val="90000"/>
+              </a:lnSpc>
+              <a:spcBef>
+                <a:spcPts val="500"/>
+              </a:spcBef>
+              <a:buFont typeface="Arial" panose="020B0604020202020204" pitchFamily="34" charset="0"/>
+              <a:buChar char="•"/>
+              <a:defRPr sz="1800" kern="1200">
+                <a:solidFill>
+                  <a:schemeClr val="tx1"/>
+                </a:solidFill>
+                <a:latin typeface="+mn-lt"/>
+                <a:ea typeface="+mn-ea"/>
+                <a:cs typeface="+mn-cs"/>
+              </a:defRPr>
+            </a:lvl7pPr>
+            <a:lvl8pPr marL="3429000" indent="-228600" algn="l" defTabSz="914400" rtl="0" eaLnBrk="1" latinLnBrk="0" hangingPunct="1">
+              <a:lnSpc>
+                <a:spcPct val="90000"/>
+              </a:lnSpc>
+              <a:spcBef>
+                <a:spcPts val="500"/>
+              </a:spcBef>
+              <a:buFont typeface="Arial" panose="020B0604020202020204" pitchFamily="34" charset="0"/>
+              <a:buChar char="•"/>
+              <a:defRPr sz="1800" kern="1200">
+                <a:solidFill>
+                  <a:schemeClr val="tx1"/>
+                </a:solidFill>
+                <a:latin typeface="+mn-lt"/>
+                <a:ea typeface="+mn-ea"/>
+                <a:cs typeface="+mn-cs"/>
+              </a:defRPr>
+            </a:lvl8pPr>
+            <a:lvl9pPr marL="3886200" indent="-228600" algn="l" defTabSz="914400" rtl="0" eaLnBrk="1" latinLnBrk="0" hangingPunct="1">
+              <a:lnSpc>
+                <a:spcPct val="90000"/>
+              </a:lnSpc>
+              <a:spcBef>
+                <a:spcPts val="500"/>
+              </a:spcBef>
+              <a:buFont typeface="Arial" panose="020B0604020202020204" pitchFamily="34" charset="0"/>
+              <a:buChar char="•"/>
+              <a:defRPr sz="1800" kern="1200">
+                <a:solidFill>
+                  <a:schemeClr val="tx1"/>
+                </a:solidFill>
+                <a:latin typeface="+mn-lt"/>
+                <a:ea typeface="+mn-ea"/>
+                <a:cs typeface="+mn-cs"/>
+              </a:defRPr>
+            </a:lvl9pPr>
+          </a:lstStyle>
+          <a:p>
+            <a:pPr marL="0" indent="0">
+              <a:buFont typeface="Arial" panose="020B0604020202020204" pitchFamily="34" charset="0"/>
+              <a:buNone/>
+            </a:pPr>
+            <a:endParaRPr lang="en-US" sz="2400">
+              <a:cs typeface="Calibri"/>
+            </a:endParaRPr>
+          </a:p>
+          <a:p>
+            <a:pPr marL="0" indent="0">
+              <a:buFont typeface="Arial" panose="020B0604020202020204" pitchFamily="34" charset="0"/>
+              <a:buNone/>
+            </a:pPr>
+            <a:endParaRPr lang="en-US" sz="2400">
+              <a:cs typeface="Calibri"/>
+            </a:endParaRPr>
+          </a:p>
+          <a:p>
+            <a:r>
+              <a:rPr lang="en-US" sz="2400"/>
+              <a:t>Model Architecture</a:t>
+            </a:r>
+            <a:endParaRPr lang="en-US" sz="2400">
+              <a:cs typeface="Calibri"/>
+            </a:endParaRPr>
+          </a:p>
+          <a:p>
+            <a:pPr lvl="1"/>
+            <a:r>
+              <a:rPr lang="en-US" sz="2000" err="1">
+                <a:cs typeface="Calibri"/>
+              </a:rPr>
+              <a:t>NASNetMobile</a:t>
+            </a:r>
+            <a:endParaRPr lang="en-US" sz="2000">
+              <a:cs typeface="Calibri"/>
+            </a:endParaRPr>
+          </a:p>
+          <a:p>
+            <a:r>
+              <a:rPr lang="en-US" sz="2400">
+                <a:ea typeface="+mn-lt"/>
+                <a:cs typeface="+mn-lt"/>
+              </a:rPr>
+              <a:t>Dataset augmentation</a:t>
+            </a:r>
+            <a:endParaRPr lang="en-US" sz="2400">
+              <a:cs typeface="Calibri"/>
+            </a:endParaRPr>
+          </a:p>
+          <a:p>
+            <a:pPr lvl="1"/>
+            <a:r>
+              <a:rPr lang="en-US" sz="2000">
+                <a:ea typeface="+mn-lt"/>
+                <a:cs typeface="+mn-lt"/>
+              </a:rPr>
+              <a:t>Random rotations and shifts</a:t>
+            </a:r>
+          </a:p>
+          <a:p>
+            <a:r>
+              <a:rPr lang="en-US" sz="2400">
+                <a:ea typeface="+mn-lt"/>
+                <a:cs typeface="+mn-lt"/>
+              </a:rPr>
+              <a:t>K-Fold cross validation</a:t>
+            </a:r>
+          </a:p>
+          <a:p>
+            <a:pPr lvl="1"/>
+            <a:r>
+              <a:rPr lang="en-US" sz="2000">
+                <a:cs typeface="Calibri"/>
+              </a:rPr>
+              <a:t>Validates model's ability to learn the</a:t>
+            </a:r>
+            <a:br>
+              <a:rPr lang="en-US" sz="2000">
+                <a:cs typeface="Calibri"/>
+              </a:rPr>
+            </a:br>
+            <a:r>
+              <a:rPr lang="en-US" sz="2000">
+                <a:cs typeface="Calibri"/>
+              </a:rPr>
+              <a:t>dataset</a:t>
+            </a:r>
+          </a:p>
           <a:p>
             <a:r>
               <a:rPr lang="en-US" sz="2400">
                 <a:cs typeface="Calibri"/>
               </a:rPr>
-              <a:t>We were able to create a Software which recognizes almost all food item with in top 10 and most of the food item in top 5 and almost half of the food item in top 10. </a:t>
-            </a:r>
-          </a:p>
-          <a:p>
-            <a:endParaRPr lang="en-US" sz="2400"/>
-          </a:p>
-          <a:p>
-            <a:r>
-              <a:rPr lang="en-US" sz="2400">
+              <a:t>Metrics</a:t>
+            </a:r>
+            <a:endParaRPr lang="en-US"/>
+          </a:p>
+          <a:p>
+            <a:pPr lvl="1"/>
+            <a:r>
+              <a:rPr lang="en-US" sz="2000">
                 <a:cs typeface="Calibri"/>
               </a:rPr>
-              <a:t>We were able to implement this model into a web app that accepts and image and returns the food type.</a:t>
-            </a:r>
-            <a:endParaRPr lang="en-US" sz="2400"/>
-          </a:p>
-          <a:p>
-            <a:endParaRPr lang="en-US" sz="2400"/>
-          </a:p>
-          <a:p>
-            <a:r>
-              <a:rPr lang="en-US" sz="2400"/>
-              <a:t>Predicting the correct food type 100% of the time is of course ideal, but we were looking for reasonable result to predict most of our food and we were able to achieve that.</a:t>
-            </a:r>
+              <a:t>Top 1,5,10 accuracy</a:t>
+            </a:r>
+          </a:p>
+          <a:p>
+            <a:pPr lvl="1"/>
+            <a:r>
+              <a:rPr lang="en-US" sz="2000">
+                <a:cs typeface="Calibri"/>
+              </a:rPr>
+              <a:t>F1-score</a:t>
+            </a:r>
+          </a:p>
+          <a:p>
             <a:endParaRPr lang="en-US" sz="2400">
               <a:cs typeface="Calibri"/>
             </a:endParaRPr>
           </a:p>
           <a:p>
-            <a:endParaRPr lang="en-US" sz="2400"/>
-          </a:p>
-          <a:p>
-            <a:pPr marL="0" indent="0">
-              <a:buNone/>
-            </a:pPr>
-            <a:endParaRPr lang="en-US" sz="2400"/>
-          </a:p>
-          <a:p>
-            <a:endParaRPr lang="en-US">
+            <a:endParaRPr lang="en-US" sz="2400">
               <a:cs typeface="Calibri"/>
             </a:endParaRPr>
           </a:p>
-        </p:txBody>
-      </p:sp>
+          <a:p>
+            <a:endParaRPr lang="en-US" sz="2400">
+              <a:cs typeface="Calibri"/>
+            </a:endParaRPr>
+          </a:p>
+        </p:txBody>
+      </p:sp>
+      <p:pic>
+        <p:nvPicPr>
+          <p:cNvPr id="20" name="Picture 20" descr="A screenshot of a cell phone&#10;&#10;Description generated with very high confidence">
+            <a:extLst>
+              <a:ext uri="{FF2B5EF4-FFF2-40B4-BE49-F238E27FC236}">
+                <a16:creationId xmlns:a16="http://schemas.microsoft.com/office/drawing/2014/main" id="{DB8C5D30-9F29-4F99-A89E-09E8FB304062}"/>
+              </a:ext>
+            </a:extLst>
+          </p:cNvPr>
+          <p:cNvPicPr>
+            <a:picLocks noGrp="1" noChangeAspect="1"/>
+          </p:cNvPicPr>
+          <p:nvPr>
+            <p:ph idx="1"/>
+          </p:nvPr>
+        </p:nvPicPr>
+        <p:blipFill>
+          <a:blip r:embed="rId3"/>
+          <a:stretch>
+            <a:fillRect/>
+          </a:stretch>
+        </p:blipFill>
+        <p:spPr>
+          <a:xfrm>
+            <a:off x="5317951" y="1563834"/>
+            <a:ext cx="6574076" cy="3736096"/>
+          </a:xfrm>
+          <a:prstGeom prst="rect">
+            <a:avLst/>
+          </a:prstGeom>
+          <a:ln>
+            <a:noFill/>
+          </a:ln>
+          <a:effectLst>
+            <a:outerShdw blurRad="190500" algn="tl" rotWithShape="0">
+              <a:srgbClr val="000000">
+                <a:alpha val="70000"/>
+              </a:srgbClr>
+            </a:outerShdw>
+          </a:effectLst>
+        </p:spPr>
+      </p:pic>
     </p:spTree>
     <p:extLst>
       <p:ext uri="{BB962C8B-B14F-4D97-AF65-F5344CB8AC3E}">
-        <p14:creationId xmlns:p14="http://schemas.microsoft.com/office/powerpoint/2010/main" val="1461056921"/>
+        <p14:creationId xmlns:p14="http://schemas.microsoft.com/office/powerpoint/2010/main" val="1011067270"/>
       </p:ext>
     </p:extLst>
   </p:cSld>
@@ -5263,16 +6622,15 @@
           </p:cNvPicPr>
           <p:nvPr/>
         </p:nvPicPr>
-        <p:blipFill>
+        <p:blipFill rotWithShape="1">
           <a:blip r:embed="rId2"/>
-          <a:stretch>
-            <a:fillRect/>
-          </a:stretch>
+          <a:srcRect t="-76" r="29062" b="2374"/>
+          <a:stretch/>
         </p:blipFill>
         <p:spPr>
           <a:xfrm>
-            <a:off x="0" y="6429"/>
-            <a:ext cx="12192000" cy="6816566"/>
+            <a:off x="0" y="1286"/>
+            <a:ext cx="12192013" cy="6859891"/>
           </a:xfrm>
           <a:prstGeom prst="rect">
             <a:avLst/>
@@ -5297,7 +6655,7 @@
         </p:nvSpPr>
         <p:spPr>
           <a:xfrm>
-            <a:off x="1609725" y="993775"/>
+            <a:off x="238125" y="450850"/>
             <a:ext cx="10515600" cy="1325563"/>
           </a:xfrm>
         </p:spPr>
@@ -5307,11 +6665,11 @@
           <a:p>
             <a:r>
               <a:rPr lang="en-US">
-                <a:cs typeface="Calibri Light"/>
-              </a:rPr>
-              <a:t>Research and Demo Creation</a:t>
-            </a:r>
-            <a:endParaRPr lang="en-US"/>
+                <a:ea typeface="+mj-lt"/>
+                <a:cs typeface="+mj-lt"/>
+              </a:rPr>
+              <a:t>Results</a:t>
+            </a:r>
           </a:p>
         </p:txBody>
       </p:sp>
@@ -5333,8 +6691,8 @@
         </p:nvSpPr>
         <p:spPr>
           <a:xfrm>
-            <a:off x="876300" y="2540000"/>
-            <a:ext cx="10515600" cy="4351338"/>
+            <a:off x="240211" y="1441616"/>
+            <a:ext cx="7242300" cy="4220075"/>
           </a:xfrm>
         </p:spPr>
         <p:txBody>
@@ -5343,24 +6701,410 @@
           </a:bodyPr>
           <a:lstStyle/>
           <a:p>
-            <a:r>
-              <a:rPr lang="en-US"/>
-              <a:t>Research Gathering for Project</a:t>
-            </a:r>
-          </a:p>
-          <a:p>
-            <a:r>
-              <a:rPr lang="en-US"/>
-              <a:t>Introduction and Background sections in paper</a:t>
-            </a:r>
+            <a:pPr marL="0" indent="0">
+              <a:buNone/>
+            </a:pPr>
+            <a:endParaRPr lang="en-US" sz="2400">
+              <a:cs typeface="Calibri"/>
+            </a:endParaRPr>
+          </a:p>
+          <a:p>
+            <a:pPr marL="457200" indent="-457200">
+              <a:buAutoNum type="arabicPeriod"/>
+            </a:pPr>
+            <a:r>
+              <a:rPr lang="en-US" sz="2400">
+                <a:cs typeface="Calibri"/>
+              </a:rPr>
+              <a:t>We have created 3</a:t>
+            </a:r>
+          </a:p>
+          <a:p>
+            <a:pPr marL="457200" indent="-457200">
+              <a:buAutoNum type="arabicPeriod"/>
+            </a:pPr>
+            <a:r>
+              <a:rPr lang="en-US" sz="2400">
+                <a:cs typeface="Calibri"/>
+              </a:rPr>
+              <a:t>Model-1 is trained on entire dataset, Model-2 is trained on 50 random classes and Model-3 is trained on 25 random classes</a:t>
+            </a:r>
+          </a:p>
+          <a:p>
+            <a:pPr marL="457200" indent="-457200">
+              <a:buAutoNum type="arabicPeriod"/>
+            </a:pPr>
+            <a:r>
+              <a:rPr lang="en-US" sz="2400">
+                <a:cs typeface="Calibri"/>
+              </a:rPr>
+              <a:t>We have calculated Top1, Top5 and Top10 predictions accuracies for all three models.</a:t>
+            </a:r>
+            <a:endParaRPr lang="en-US">
+              <a:cs typeface="Calibri" panose="020F0502020204030204"/>
+            </a:endParaRPr>
+          </a:p>
+          <a:p>
+            <a:pPr marL="457200" indent="-457200">
+              <a:buAutoNum type="arabicPeriod"/>
+            </a:pPr>
+            <a:endParaRPr lang="en-US" sz="2400">
+              <a:cs typeface="Calibri" panose="020F0502020204030204"/>
+            </a:endParaRPr>
+          </a:p>
+          <a:p>
+            <a:endParaRPr lang="en-US" sz="2400">
+              <a:cs typeface="Calibri" panose="020F0502020204030204"/>
+            </a:endParaRPr>
+          </a:p>
+          <a:p>
+            <a:endParaRPr lang="en-US" sz="2400"/>
+          </a:p>
+          <a:p>
+            <a:pPr marL="0" indent="0">
+              <a:buNone/>
+            </a:pPr>
+            <a:endParaRPr lang="en-US" sz="2400"/>
+          </a:p>
+          <a:p>
             <a:endParaRPr lang="en-US">
               <a:cs typeface="Calibri"/>
             </a:endParaRPr>
           </a:p>
-          <a:p>
-            <a:r>
-              <a:rPr lang="en-US"/>
-              <a:t>Data set Comparison </a:t>
+        </p:txBody>
+      </p:sp>
+      <p:pic>
+        <p:nvPicPr>
+          <p:cNvPr id="6" name="Picture 6" descr="A screenshot of a cell phone&#10;&#10;Description generated with very high confidence">
+            <a:extLst>
+              <a:ext uri="{FF2B5EF4-FFF2-40B4-BE49-F238E27FC236}">
+                <a16:creationId xmlns:a16="http://schemas.microsoft.com/office/drawing/2014/main" id="{9919EFC9-51EE-49E9-80C0-917D7B38D900}"/>
+              </a:ext>
+            </a:extLst>
+          </p:cNvPr>
+          <p:cNvPicPr>
+            <a:picLocks noChangeAspect="1"/>
+          </p:cNvPicPr>
+          <p:nvPr/>
+        </p:nvPicPr>
+        <p:blipFill>
+          <a:blip r:embed="rId3"/>
+          <a:stretch>
+            <a:fillRect/>
+          </a:stretch>
+        </p:blipFill>
+        <p:spPr>
+          <a:xfrm>
+            <a:off x="7421981" y="453853"/>
+            <a:ext cx="4487824" cy="4119295"/>
+          </a:xfrm>
+          <a:prstGeom prst="rect">
+            <a:avLst/>
+          </a:prstGeom>
+          <a:ln>
+            <a:noFill/>
+          </a:ln>
+          <a:effectLst>
+            <a:softEdge rad="112500"/>
+          </a:effectLst>
+        </p:spPr>
+      </p:pic>
+      <p:sp>
+        <p:nvSpPr>
+          <p:cNvPr id="3" name="Slide Number Placeholder 2">
+            <a:extLst>
+              <a:ext uri="{FF2B5EF4-FFF2-40B4-BE49-F238E27FC236}">
+                <a16:creationId xmlns:a16="http://schemas.microsoft.com/office/drawing/2014/main" id="{EC2AA13F-1E8C-4D65-9A6A-2EA8E3A7BC35}"/>
+              </a:ext>
+            </a:extLst>
+          </p:cNvPr>
+          <p:cNvSpPr>
+            <a:spLocks noGrp="1"/>
+          </p:cNvSpPr>
+          <p:nvPr>
+            <p:ph type="sldNum" sz="quarter" idx="12"/>
+          </p:nvPr>
+        </p:nvSpPr>
+        <p:spPr/>
+        <p:txBody>
+          <a:bodyPr/>
+          <a:lstStyle/>
+          <a:p>
+            <a:fld id="{48F63A3B-78C7-47BE-AE5E-E10140E04643}" type="slidenum">
+              <a:rPr lang="en-US" dirty="0">
+                <a:solidFill>
+                  <a:schemeClr val="tx1"/>
+                </a:solidFill>
+              </a:rPr>
+              <a:t>6</a:t>
+            </a:fld>
+            <a:endParaRPr lang="en-US">
+              <a:solidFill>
+                <a:schemeClr val="tx1"/>
+              </a:solidFill>
+            </a:endParaRPr>
+          </a:p>
+        </p:txBody>
+      </p:sp>
+      <p:pic>
+        <p:nvPicPr>
+          <p:cNvPr id="5" name="Picture 6" descr="A screenshot of a cell phone&#10;&#10;Description generated with very high confidence">
+            <a:extLst>
+              <a:ext uri="{FF2B5EF4-FFF2-40B4-BE49-F238E27FC236}">
+                <a16:creationId xmlns:a16="http://schemas.microsoft.com/office/drawing/2014/main" id="{358FD146-F896-46DB-AF1E-04E61CB91C6D}"/>
+              </a:ext>
+            </a:extLst>
+          </p:cNvPr>
+          <p:cNvPicPr>
+            <a:picLocks noChangeAspect="1"/>
+          </p:cNvPicPr>
+          <p:nvPr/>
+        </p:nvPicPr>
+        <p:blipFill>
+          <a:blip r:embed="rId4"/>
+          <a:stretch>
+            <a:fillRect/>
+          </a:stretch>
+        </p:blipFill>
+        <p:spPr>
+          <a:xfrm>
+            <a:off x="7496756" y="4812596"/>
+            <a:ext cx="4336198" cy="1594450"/>
+          </a:xfrm>
+          <a:prstGeom prst="rect">
+            <a:avLst/>
+          </a:prstGeom>
+        </p:spPr>
+      </p:pic>
+    </p:spTree>
+    <p:extLst>
+      <p:ext uri="{BB962C8B-B14F-4D97-AF65-F5344CB8AC3E}">
+        <p14:creationId xmlns:p14="http://schemas.microsoft.com/office/powerpoint/2010/main" val="2419840087"/>
+      </p:ext>
+    </p:extLst>
+  </p:cSld>
+  <p:clrMapOvr>
+    <a:masterClrMapping/>
+  </p:clrMapOvr>
+</p:sld>
+</file>
+
+<file path=ppt/slides/slide7.xml><?xml version="1.0" encoding="utf-8"?>
+<p:sld xmlns:a="http://schemas.openxmlformats.org/drawingml/2006/main" xmlns:r="http://schemas.openxmlformats.org/officeDocument/2006/relationships" xmlns:p="http://schemas.openxmlformats.org/presentationml/2006/main">
+  <p:cSld>
+    <p:spTree>
+      <p:nvGrpSpPr>
+        <p:cNvPr id="1" name=""/>
+        <p:cNvGrpSpPr/>
+        <p:nvPr/>
+      </p:nvGrpSpPr>
+      <p:grpSpPr>
+        <a:xfrm>
+          <a:off x="0" y="0"/>
+          <a:ext cx="0" cy="0"/>
+          <a:chOff x="0" y="0"/>
+          <a:chExt cx="0" cy="0"/>
+        </a:xfrm>
+      </p:grpSpPr>
+      <p:pic>
+        <p:nvPicPr>
+          <p:cNvPr id="4" name="Picture 4" descr="A close up of a flower&#10;&#10;Description generated with high confidence">
+            <a:extLst>
+              <a:ext uri="{FF2B5EF4-FFF2-40B4-BE49-F238E27FC236}">
+                <a16:creationId xmlns:a16="http://schemas.microsoft.com/office/drawing/2014/main" id="{87A1507E-1B93-4A8B-B271-3F14768F0A12}"/>
+              </a:ext>
+            </a:extLst>
+          </p:cNvPr>
+          <p:cNvPicPr>
+            <a:picLocks noChangeAspect="1"/>
+          </p:cNvPicPr>
+          <p:nvPr/>
+        </p:nvPicPr>
+        <p:blipFill>
+          <a:blip r:embed="rId2"/>
+          <a:stretch>
+            <a:fillRect/>
+          </a:stretch>
+        </p:blipFill>
+        <p:spPr>
+          <a:xfrm>
+            <a:off x="0" y="-3096"/>
+            <a:ext cx="12192000" cy="6864191"/>
+          </a:xfrm>
+          <a:prstGeom prst="rect">
+            <a:avLst/>
+          </a:prstGeom>
+        </p:spPr>
+      </p:pic>
+      <p:sp>
+        <p:nvSpPr>
+          <p:cNvPr id="2" name="Title 1">
+            <a:extLst>
+              <a:ext uri="{FF2B5EF4-FFF2-40B4-BE49-F238E27FC236}">
+                <a16:creationId xmlns:a16="http://schemas.microsoft.com/office/drawing/2014/main" id="{31DB63ED-FBBF-3240-8AD2-E78C1422969E}"/>
+              </a:ext>
+            </a:extLst>
+          </p:cNvPr>
+          <p:cNvSpPr>
+            <a:spLocks noGrp="1"/>
+          </p:cNvSpPr>
+          <p:nvPr>
+            <p:ph type="title"/>
+          </p:nvPr>
+        </p:nvSpPr>
+        <p:spPr>
+          <a:xfrm>
+            <a:off x="3916589" y="2762704"/>
+            <a:ext cx="4362450" cy="1325563"/>
+          </a:xfrm>
+        </p:spPr>
+        <p:txBody>
+          <a:bodyPr/>
+          <a:lstStyle/>
+          <a:p>
+            <a:r>
+              <a:rPr lang="en-US" b="1">
+                <a:ea typeface="+mj-lt"/>
+                <a:cs typeface="+mj-lt"/>
+              </a:rPr>
+              <a:t>Our Contributions</a:t>
+            </a:r>
+          </a:p>
+        </p:txBody>
+      </p:sp>
+    </p:spTree>
+    <p:extLst>
+      <p:ext uri="{BB962C8B-B14F-4D97-AF65-F5344CB8AC3E}">
+        <p14:creationId xmlns:p14="http://schemas.microsoft.com/office/powerpoint/2010/main" val="809245147"/>
+      </p:ext>
+    </p:extLst>
+  </p:cSld>
+  <p:clrMapOvr>
+    <a:masterClrMapping/>
+  </p:clrMapOvr>
+</p:sld>
+</file>
+
+<file path=ppt/slides/slide8.xml><?xml version="1.0" encoding="utf-8"?>
+<p:sld xmlns:a="http://schemas.openxmlformats.org/drawingml/2006/main" xmlns:r="http://schemas.openxmlformats.org/officeDocument/2006/relationships" xmlns:p="http://schemas.openxmlformats.org/presentationml/2006/main">
+  <p:cSld>
+    <p:spTree>
+      <p:nvGrpSpPr>
+        <p:cNvPr id="1" name=""/>
+        <p:cNvGrpSpPr/>
+        <p:nvPr/>
+      </p:nvGrpSpPr>
+      <p:grpSpPr>
+        <a:xfrm>
+          <a:off x="0" y="0"/>
+          <a:ext cx="0" cy="0"/>
+          <a:chOff x="0" y="0"/>
+          <a:chExt cx="0" cy="0"/>
+        </a:xfrm>
+      </p:grpSpPr>
+      <p:pic>
+        <p:nvPicPr>
+          <p:cNvPr id="4" name="Picture 4" descr="A close up of a flower&#10;&#10;Description generated with high confidence">
+            <a:extLst>
+              <a:ext uri="{FF2B5EF4-FFF2-40B4-BE49-F238E27FC236}">
+                <a16:creationId xmlns:a16="http://schemas.microsoft.com/office/drawing/2014/main" id="{87A1507E-1B93-4A8B-B271-3F14768F0A12}"/>
+              </a:ext>
+            </a:extLst>
+          </p:cNvPr>
+          <p:cNvPicPr>
+            <a:picLocks noChangeAspect="1"/>
+          </p:cNvPicPr>
+          <p:nvPr/>
+        </p:nvPicPr>
+        <p:blipFill>
+          <a:blip r:embed="rId2"/>
+          <a:stretch>
+            <a:fillRect/>
+          </a:stretch>
+        </p:blipFill>
+        <p:spPr>
+          <a:xfrm>
+            <a:off x="0" y="6429"/>
+            <a:ext cx="12192000" cy="6816566"/>
+          </a:xfrm>
+          <a:prstGeom prst="rect">
+            <a:avLst/>
+          </a:prstGeom>
+        </p:spPr>
+      </p:pic>
+      <p:sp>
+        <p:nvSpPr>
+          <p:cNvPr id="2" name="Title 1">
+            <a:extLst>
+              <a:ext uri="{FF2B5EF4-FFF2-40B4-BE49-F238E27FC236}">
+                <a16:creationId xmlns:a16="http://schemas.microsoft.com/office/drawing/2014/main" id="{31DB63ED-FBBF-3240-8AD2-E78C1422969E}"/>
+              </a:ext>
+            </a:extLst>
+          </p:cNvPr>
+          <p:cNvSpPr>
+            <a:spLocks noGrp="1"/>
+          </p:cNvSpPr>
+          <p:nvPr>
+            <p:ph type="title"/>
+          </p:nvPr>
+        </p:nvSpPr>
+        <p:spPr>
+          <a:xfrm>
+            <a:off x="876300" y="1098550"/>
+            <a:ext cx="10515600" cy="1325563"/>
+          </a:xfrm>
+        </p:spPr>
+        <p:txBody>
+          <a:bodyPr/>
+          <a:lstStyle/>
+          <a:p>
+            <a:r>
+              <a:rPr lang="en-US">
+                <a:cs typeface="Calibri Light"/>
+              </a:rPr>
+              <a:t>Research and Demo Creation</a:t>
+            </a:r>
+            <a:endParaRPr lang="en-US"/>
+          </a:p>
+        </p:txBody>
+      </p:sp>
+      <p:sp>
+        <p:nvSpPr>
+          <p:cNvPr id="13" name="Content Placeholder 12">
+            <a:extLst>
+              <a:ext uri="{FF2B5EF4-FFF2-40B4-BE49-F238E27FC236}">
+                <a16:creationId xmlns:a16="http://schemas.microsoft.com/office/drawing/2014/main" id="{5DEAD952-A4F6-4FA5-9B59-194A0FEE0F1E}"/>
+              </a:ext>
+            </a:extLst>
+          </p:cNvPr>
+          <p:cNvSpPr>
+            <a:spLocks noGrp="1"/>
+          </p:cNvSpPr>
+          <p:nvPr>
+            <p:ph idx="1"/>
+          </p:nvPr>
+        </p:nvSpPr>
+        <p:spPr>
+          <a:xfrm>
+            <a:off x="876300" y="2540000"/>
+            <a:ext cx="10515600" cy="4351338"/>
+          </a:xfrm>
+        </p:spPr>
+        <p:txBody>
+          <a:bodyPr vert="horz" lIns="91440" tIns="45720" rIns="91440" bIns="45720" rtlCol="0" anchor="t">
+            <a:normAutofit/>
+          </a:bodyPr>
+          <a:lstStyle/>
+          <a:p>
+            <a:r>
+              <a:rPr lang="en-US"/>
+              <a:t>Research Gathering for Project</a:t>
+            </a:r>
+          </a:p>
+          <a:p>
+            <a:r>
+              <a:rPr lang="en-US"/>
+              <a:t>Abstract, Introduction, and Background sections in paper</a:t>
             </a:r>
             <a:endParaRPr lang="en-US">
               <a:cs typeface="Calibri"/>
@@ -5378,7 +7122,7 @@
           <a:p>
             <a:r>
               <a:rPr lang="en-US"/>
-              <a:t>Assisted in Demo Creation</a:t>
+              <a:t>Provided Documentation for the Demo</a:t>
             </a:r>
             <a:endParaRPr lang="en-US">
               <a:cs typeface="Calibri"/>
@@ -5428,7 +7172,7 @@
         <p:spPr>
           <a:xfrm>
             <a:off x="285750" y="133350"/>
-            <a:ext cx="2981325" cy="461665"/>
+            <a:ext cx="2981325" cy="584775"/>
           </a:xfrm>
           <a:prstGeom prst="rect">
             <a:avLst/>
@@ -5445,9 +7189,12 @@
           <a:lstStyle/>
           <a:p>
             <a:r>
-              <a:rPr lang="en-US" sz="2400"/>
+              <a:rPr lang="en-US" sz="3200"/>
               <a:t>James</a:t>
             </a:r>
+            <a:endParaRPr lang="en-US" sz="3200">
+              <a:cs typeface="Calibri"/>
+            </a:endParaRPr>
           </a:p>
         </p:txBody>
       </p:sp>
@@ -5464,7 +7211,7 @@
 </p:sld>
 </file>
 
-<file path=ppt/slides/slide7.xml><?xml version="1.0" encoding="utf-8"?>
+<file path=ppt/slides/slide9.xml><?xml version="1.0" encoding="utf-8"?>
 <p:sld xmlns:a="http://schemas.openxmlformats.org/drawingml/2006/main" xmlns:r="http://schemas.openxmlformats.org/officeDocument/2006/relationships" xmlns:p="http://schemas.openxmlformats.org/presentationml/2006/main">
   <p:cSld>
     <p:spTree>
@@ -5584,12 +7331,18 @@
               <a:rPr lang="en-US"/>
               <a:t>Research Gathering for Project</a:t>
             </a:r>
+            <a:endParaRPr lang="en-US">
+              <a:cs typeface="Calibri" panose="020F0502020204030204"/>
+            </a:endParaRPr>
           </a:p>
           <a:p>
             <a:r>
               <a:rPr lang="en-US"/>
               <a:t>Milestone</a:t>
             </a:r>
+            <a:endParaRPr lang="en-US">
+              <a:cs typeface="Calibri" panose="020F0502020204030204"/>
+            </a:endParaRPr>
           </a:p>
         </p:txBody>
       </p:sp>
@@ -5608,7 +7361,7 @@
         <p:spPr>
           <a:xfrm>
             <a:off x="371605" y="298537"/>
-            <a:ext cx="2743199" cy="461665"/>
+            <a:ext cx="2743199" cy="584775"/>
           </a:xfrm>
           <a:prstGeom prst="rect">
             <a:avLst/>
@@ -5626,9 +7379,12 @@
           <a:p>
             <a:pPr algn="l"/>
             <a:r>
-              <a:rPr lang="en-US" sz="2400"/>
+              <a:rPr lang="en-US" sz="3200"/>
               <a:t>Elijah</a:t>
             </a:r>
+            <a:endParaRPr lang="en-US" sz="3200">
+              <a:cs typeface="Calibri"/>
+            </a:endParaRPr>
           </a:p>
         </p:txBody>
       </p:sp>
@@ -5636,436 +7392,6 @@
     <p:extLst>
       <p:ext uri="{BB962C8B-B14F-4D97-AF65-F5344CB8AC3E}">
         <p14:creationId xmlns:p14="http://schemas.microsoft.com/office/powerpoint/2010/main" val="2142865440"/>
-      </p:ext>
-    </p:extLst>
-  </p:cSld>
-  <p:clrMapOvr>
-    <a:masterClrMapping/>
-  </p:clrMapOvr>
-</p:sld>
-</file>
-
-<file path=ppt/slides/slide8.xml><?xml version="1.0" encoding="utf-8"?>
-<p:sld xmlns:a="http://schemas.openxmlformats.org/drawingml/2006/main" xmlns:r="http://schemas.openxmlformats.org/officeDocument/2006/relationships" xmlns:p="http://schemas.openxmlformats.org/presentationml/2006/main">
-  <p:cSld>
-    <p:spTree>
-      <p:nvGrpSpPr>
-        <p:cNvPr id="1" name=""/>
-        <p:cNvGrpSpPr/>
-        <p:nvPr/>
-      </p:nvGrpSpPr>
-      <p:grpSpPr>
-        <a:xfrm>
-          <a:off x="0" y="0"/>
-          <a:ext cx="0" cy="0"/>
-          <a:chOff x="0" y="0"/>
-          <a:chExt cx="0" cy="0"/>
-        </a:xfrm>
-      </p:grpSpPr>
-      <p:pic>
-        <p:nvPicPr>
-          <p:cNvPr id="5" name="Picture 5" descr="A close up of a flower&#10;&#10;Description generated with high confidence">
-            <a:extLst>
-              <a:ext uri="{FF2B5EF4-FFF2-40B4-BE49-F238E27FC236}">
-                <a16:creationId xmlns:a16="http://schemas.microsoft.com/office/drawing/2014/main" id="{B2AF2305-AFE0-48A8-9BAA-613ACA4FBCCE}"/>
-              </a:ext>
-            </a:extLst>
-          </p:cNvPr>
-          <p:cNvPicPr>
-            <a:picLocks noChangeAspect="1"/>
-          </p:cNvPicPr>
-          <p:nvPr/>
-        </p:nvPicPr>
-        <p:blipFill>
-          <a:blip r:embed="rId2"/>
-          <a:stretch>
-            <a:fillRect/>
-          </a:stretch>
-        </p:blipFill>
-        <p:spPr>
-          <a:xfrm>
-            <a:off x="0" y="-50721"/>
-            <a:ext cx="12192000" cy="6911816"/>
-          </a:xfrm>
-          <a:prstGeom prst="rect">
-            <a:avLst/>
-          </a:prstGeom>
-        </p:spPr>
-      </p:pic>
-      <p:sp>
-        <p:nvSpPr>
-          <p:cNvPr id="2" name="Title 1">
-            <a:extLst>
-              <a:ext uri="{FF2B5EF4-FFF2-40B4-BE49-F238E27FC236}">
-                <a16:creationId xmlns:a16="http://schemas.microsoft.com/office/drawing/2014/main" id="{AB665440-8BEF-F048-9E86-2F40BF94EB04}"/>
-              </a:ext>
-            </a:extLst>
-          </p:cNvPr>
-          <p:cNvSpPr>
-            <a:spLocks noGrp="1"/>
-          </p:cNvSpPr>
-          <p:nvPr>
-            <p:ph type="title"/>
-          </p:nvPr>
-        </p:nvSpPr>
-        <p:spPr>
-          <a:xfrm>
-            <a:off x="1828800" y="803275"/>
-            <a:ext cx="10515600" cy="1325563"/>
-          </a:xfrm>
-        </p:spPr>
-        <p:txBody>
-          <a:bodyPr/>
-          <a:lstStyle/>
-          <a:p>
-            <a:br>
-              <a:rPr lang="en-US">
-                <a:cs typeface="Calibri Light"/>
-              </a:rPr>
-            </a:br>
-            <a:r>
-              <a:rPr lang="en-US">
-                <a:ea typeface="+mj-lt"/>
-                <a:cs typeface="+mj-lt"/>
-              </a:rPr>
-              <a:t>Methods</a:t>
-            </a:r>
-            <a:endParaRPr lang="en-US">
-              <a:cs typeface="Calibri Light"/>
-            </a:endParaRPr>
-          </a:p>
-        </p:txBody>
-      </p:sp>
-      <p:sp>
-        <p:nvSpPr>
-          <p:cNvPr id="3" name="Content Placeholder 2">
-            <a:extLst>
-              <a:ext uri="{FF2B5EF4-FFF2-40B4-BE49-F238E27FC236}">
-                <a16:creationId xmlns:a16="http://schemas.microsoft.com/office/drawing/2014/main" id="{CA3C97C8-3AD4-6E4C-8000-47BA3C30EA22}"/>
-              </a:ext>
-            </a:extLst>
-          </p:cNvPr>
-          <p:cNvSpPr>
-            <a:spLocks noGrp="1"/>
-          </p:cNvSpPr>
-          <p:nvPr>
-            <p:ph idx="1"/>
-          </p:nvPr>
-        </p:nvSpPr>
-        <p:spPr>
-          <a:xfrm>
-            <a:off x="533400" y="2673350"/>
-            <a:ext cx="9001125" cy="4351338"/>
-          </a:xfrm>
-        </p:spPr>
-        <p:txBody>
-          <a:bodyPr vert="horz" lIns="91440" tIns="45720" rIns="91440" bIns="45720" rtlCol="0" anchor="t">
-            <a:normAutofit/>
-          </a:bodyPr>
-          <a:lstStyle/>
-          <a:p>
-            <a:r>
-              <a:rPr lang="en-US"/>
-              <a:t>Use MobileNet for small dataset.</a:t>
-            </a:r>
-          </a:p>
-          <a:p>
-            <a:r>
-              <a:rPr lang="en-US"/>
-              <a:t>Implemented MobileNet With entire dataset.</a:t>
-            </a:r>
-          </a:p>
-          <a:p>
-            <a:r>
-              <a:rPr lang="en-US"/>
-              <a:t>Implemented Interactive classification.</a:t>
-            </a:r>
-          </a:p>
-          <a:p>
-            <a:r>
-              <a:rPr lang="en-US"/>
-              <a:t>We wrote the Model architecture part in the paper for 50 and 25 classes.</a:t>
-            </a:r>
-          </a:p>
-          <a:p>
-            <a:pPr lvl="1"/>
-            <a:endParaRPr lang="en-US"/>
-          </a:p>
-          <a:p>
-            <a:endParaRPr lang="en-US"/>
-          </a:p>
-        </p:txBody>
-      </p:sp>
-      <p:sp>
-        <p:nvSpPr>
-          <p:cNvPr id="4" name="TextBox 3">
-            <a:extLst>
-              <a:ext uri="{FF2B5EF4-FFF2-40B4-BE49-F238E27FC236}">
-                <a16:creationId xmlns:a16="http://schemas.microsoft.com/office/drawing/2014/main" id="{A970A6FA-6046-4AE7-9CA0-F2E7E2A07143}"/>
-              </a:ext>
-            </a:extLst>
-          </p:cNvPr>
-          <p:cNvSpPr txBox="1"/>
-          <p:nvPr/>
-        </p:nvSpPr>
-        <p:spPr>
-          <a:xfrm>
-            <a:off x="450937" y="624736"/>
-            <a:ext cx="2981325" cy="461665"/>
-          </a:xfrm>
-          <a:prstGeom prst="rect">
-            <a:avLst/>
-          </a:prstGeom>
-          <a:noFill/>
-        </p:spPr>
-        <p:txBody>
-          <a:bodyPr rot="0" spcFirstLastPara="0" vertOverflow="overflow" horzOverflow="overflow" vert="horz" wrap="square" lIns="91440" tIns="45720" rIns="91440" bIns="45720" numCol="1" spcCol="0" rtlCol="0" fromWordArt="0" anchor="t" anchorCtr="0" forceAA="0" compatLnSpc="1">
-            <a:prstTxWarp prst="textNoShape">
-              <a:avLst/>
-            </a:prstTxWarp>
-            <a:spAutoFit/>
-          </a:bodyPr>
-          <a:lstStyle/>
-          <a:p>
-            <a:r>
-              <a:rPr lang="en-US" sz="2400"/>
-              <a:t>Luis</a:t>
-            </a:r>
-          </a:p>
-        </p:txBody>
-      </p:sp>
-    </p:spTree>
-    <p:extLst>
-      <p:ext uri="{BB962C8B-B14F-4D97-AF65-F5344CB8AC3E}">
-        <p14:creationId xmlns:p14="http://schemas.microsoft.com/office/powerpoint/2010/main" val="345860290"/>
-      </p:ext>
-    </p:extLst>
-  </p:cSld>
-  <p:clrMapOvr>
-    <a:masterClrMapping/>
-  </p:clrMapOvr>
-</p:sld>
-</file>
-
-<file path=ppt/slides/slide9.xml><?xml version="1.0" encoding="utf-8"?>
-<p:sld xmlns:a="http://schemas.openxmlformats.org/drawingml/2006/main" xmlns:r="http://schemas.openxmlformats.org/officeDocument/2006/relationships" xmlns:p="http://schemas.openxmlformats.org/presentationml/2006/main">
-  <p:cSld>
-    <p:spTree>
-      <p:nvGrpSpPr>
-        <p:cNvPr id="1" name=""/>
-        <p:cNvGrpSpPr/>
-        <p:nvPr/>
-      </p:nvGrpSpPr>
-      <p:grpSpPr>
-        <a:xfrm>
-          <a:off x="0" y="0"/>
-          <a:ext cx="0" cy="0"/>
-          <a:chOff x="0" y="0"/>
-          <a:chExt cx="0" cy="0"/>
-        </a:xfrm>
-      </p:grpSpPr>
-      <p:pic>
-        <p:nvPicPr>
-          <p:cNvPr id="6" name="Picture 7" descr="A close up of a flower&#10;&#10;Description generated with high confidence">
-            <a:extLst>
-              <a:ext uri="{FF2B5EF4-FFF2-40B4-BE49-F238E27FC236}">
-                <a16:creationId xmlns:a16="http://schemas.microsoft.com/office/drawing/2014/main" id="{C62705C5-756D-4697-B646-471D03DFC969}"/>
-              </a:ext>
-            </a:extLst>
-          </p:cNvPr>
-          <p:cNvPicPr>
-            <a:picLocks noChangeAspect="1"/>
-          </p:cNvPicPr>
-          <p:nvPr/>
-        </p:nvPicPr>
-        <p:blipFill>
-          <a:blip r:embed="rId2"/>
-          <a:stretch>
-            <a:fillRect/>
-          </a:stretch>
-        </p:blipFill>
-        <p:spPr>
-          <a:xfrm>
-            <a:off x="-4174" y="-5052"/>
-            <a:ext cx="12189910" cy="6878541"/>
-          </a:xfrm>
-          <a:prstGeom prst="rect">
-            <a:avLst/>
-          </a:prstGeom>
-        </p:spPr>
-      </p:pic>
-      <p:sp>
-        <p:nvSpPr>
-          <p:cNvPr id="2" name="Title 1">
-            <a:extLst>
-              <a:ext uri="{FF2B5EF4-FFF2-40B4-BE49-F238E27FC236}">
-                <a16:creationId xmlns:a16="http://schemas.microsoft.com/office/drawing/2014/main" id="{13CBCA27-E1CD-F843-8043-E2926725C41A}"/>
-              </a:ext>
-            </a:extLst>
-          </p:cNvPr>
-          <p:cNvSpPr>
-            <a:spLocks noGrp="1"/>
-          </p:cNvSpPr>
-          <p:nvPr>
-            <p:ph type="title"/>
-          </p:nvPr>
-        </p:nvSpPr>
-        <p:spPr>
-          <a:xfrm>
-            <a:off x="535488" y="813974"/>
-            <a:ext cx="10515600" cy="1325563"/>
-          </a:xfrm>
-        </p:spPr>
-        <p:txBody>
-          <a:bodyPr/>
-          <a:lstStyle/>
-          <a:p>
-            <a:r>
-              <a:rPr lang="en-US">
-                <a:cs typeface="Calibri Light"/>
-              </a:rPr>
-              <a:t>Creating and Evaluating our Model</a:t>
-            </a:r>
-            <a:endParaRPr lang="en-US"/>
-          </a:p>
-        </p:txBody>
-      </p:sp>
-      <p:sp>
-        <p:nvSpPr>
-          <p:cNvPr id="3" name="Content Placeholder 2">
-            <a:extLst>
-              <a:ext uri="{FF2B5EF4-FFF2-40B4-BE49-F238E27FC236}">
-                <a16:creationId xmlns:a16="http://schemas.microsoft.com/office/drawing/2014/main" id="{D24987B0-FF26-7A4C-B8B2-43601B8E5AB3}"/>
-              </a:ext>
-            </a:extLst>
-          </p:cNvPr>
-          <p:cNvSpPr>
-            <a:spLocks noGrp="1"/>
-          </p:cNvSpPr>
-          <p:nvPr>
-            <p:ph idx="1"/>
-          </p:nvPr>
-        </p:nvSpPr>
-        <p:spPr>
-          <a:xfrm>
-            <a:off x="786008" y="2545872"/>
-            <a:ext cx="10515600" cy="4351338"/>
-          </a:xfrm>
-        </p:spPr>
-        <p:txBody>
-          <a:bodyPr vert="horz" lIns="91440" tIns="45720" rIns="91440" bIns="45720" rtlCol="0" anchor="t">
-            <a:normAutofit fontScale="92500" lnSpcReduction="10000"/>
-          </a:bodyPr>
-          <a:lstStyle/>
-          <a:p>
-            <a:r>
-              <a:rPr lang="en-US"/>
-              <a:t>Decided model (</a:t>
-            </a:r>
-            <a:r>
-              <a:rPr lang="en-US" err="1"/>
-              <a:t>NasNetMobile</a:t>
-            </a:r>
-            <a:r>
-              <a:rPr lang="en-US"/>
-              <a:t>)</a:t>
-            </a:r>
-          </a:p>
-          <a:p>
-            <a:r>
-              <a:rPr lang="en-US">
-                <a:ea typeface="+mn-lt"/>
-                <a:cs typeface="+mn-lt"/>
-              </a:rPr>
-              <a:t>Implemented K-fold cross-validation</a:t>
-            </a:r>
-            <a:endParaRPr lang="en-US"/>
-          </a:p>
-          <a:p>
-            <a:r>
-              <a:rPr lang="en-US"/>
-              <a:t>Configured lazy data loading</a:t>
-            </a:r>
-          </a:p>
-          <a:p>
-            <a:pPr lvl="1"/>
-            <a:r>
-              <a:rPr lang="en-US"/>
-              <a:t>Dataset augmentation</a:t>
-            </a:r>
-          </a:p>
-          <a:p>
-            <a:pPr lvl="1"/>
-            <a:r>
-              <a:rPr lang="en-US"/>
-              <a:t>K-fold support</a:t>
-            </a:r>
-          </a:p>
-          <a:p>
-            <a:r>
-              <a:rPr lang="en-US"/>
-              <a:t>Figure generation</a:t>
-            </a:r>
-          </a:p>
-          <a:p>
-            <a:r>
-              <a:rPr lang="en-US"/>
-              <a:t>Reviewed paper</a:t>
-            </a:r>
-          </a:p>
-          <a:p>
-            <a:endParaRPr lang="en-US"/>
-          </a:p>
-          <a:p>
-            <a:endParaRPr lang="en-US"/>
-          </a:p>
-        </p:txBody>
-      </p:sp>
-      <p:sp>
-        <p:nvSpPr>
-          <p:cNvPr id="4" name="TextBox 3">
-            <a:extLst>
-              <a:ext uri="{FF2B5EF4-FFF2-40B4-BE49-F238E27FC236}">
-                <a16:creationId xmlns:a16="http://schemas.microsoft.com/office/drawing/2014/main" id="{5896261B-18D4-4F68-A255-ABAC5B06F777}"/>
-              </a:ext>
-            </a:extLst>
-          </p:cNvPr>
-          <p:cNvSpPr txBox="1"/>
-          <p:nvPr/>
-        </p:nvSpPr>
-        <p:spPr>
-          <a:xfrm>
-            <a:off x="123303" y="134655"/>
-            <a:ext cx="2743200" cy="461665"/>
-          </a:xfrm>
-          <a:prstGeom prst="rect">
-            <a:avLst/>
-          </a:prstGeom>
-          <a:noFill/>
-        </p:spPr>
-        <p:txBody>
-          <a:bodyPr rot="0" spcFirstLastPara="0" vertOverflow="overflow" horzOverflow="overflow" vert="horz" wrap="square" lIns="91440" tIns="45720" rIns="91440" bIns="45720" numCol="1" spcCol="0" rtlCol="0" fromWordArt="0" anchor="t" anchorCtr="0" forceAA="0" compatLnSpc="1">
-            <a:prstTxWarp prst="textNoShape">
-              <a:avLst/>
-            </a:prstTxWarp>
-            <a:spAutoFit/>
-          </a:bodyPr>
-          <a:lstStyle/>
-          <a:p>
-            <a:r>
-              <a:rPr lang="en-US" sz="2400"/>
-              <a:t>Steven</a:t>
-            </a:r>
-            <a:endParaRPr lang="en-US" sz="2400">
-              <a:cs typeface="Calibri"/>
-            </a:endParaRPr>
-          </a:p>
-        </p:txBody>
-      </p:sp>
-    </p:spTree>
-    <p:extLst>
-      <p:ext uri="{BB962C8B-B14F-4D97-AF65-F5344CB8AC3E}">
-        <p14:creationId xmlns:p14="http://schemas.microsoft.com/office/powerpoint/2010/main" val="1727887245"/>
       </p:ext>
     </p:extLst>
   </p:cSld>
